--- a/Week3.pptx
+++ b/Week3.pptx
@@ -859,7 +859,7 @@
   <p:cSld>
     <p:spTree>
       <p:nvGrpSpPr>
-        <p:cNvPr id="123" name="Shape 123"/>
+        <p:cNvPr id="124" name="Shape 124"/>
         <p:cNvGrpSpPr/>
         <p:nvPr/>
       </p:nvGrpSpPr>
@@ -873,7 +873,7 @@
       </p:grpSpPr>
       <p:sp>
         <p:nvSpPr>
-          <p:cNvPr id="124" name="Google Shape;124;gced575e695_0_75:notes"/>
+          <p:cNvPr id="125" name="Google Shape;125;gced575e695_0_75:notes"/>
           <p:cNvSpPr/>
           <p:nvPr>
             <p:ph idx="2" type="sldImg"/>
@@ -908,7 +908,7 @@
       </p:sp>
       <p:sp>
         <p:nvSpPr>
-          <p:cNvPr id="125" name="Google Shape;125;gced575e695_0_75:notes"/>
+          <p:cNvPr id="126" name="Google Shape;126;gced575e695_0_75:notes"/>
           <p:cNvSpPr txBox="1"/>
           <p:nvPr>
             <p:ph idx="1" type="body"/>
@@ -958,7 +958,7 @@
   <p:cSld>
     <p:spTree>
       <p:nvGrpSpPr>
-        <p:cNvPr id="129" name="Shape 129"/>
+        <p:cNvPr id="130" name="Shape 130"/>
         <p:cNvGrpSpPr/>
         <p:nvPr/>
       </p:nvGrpSpPr>
@@ -972,7 +972,7 @@
       </p:grpSpPr>
       <p:sp>
         <p:nvSpPr>
-          <p:cNvPr id="130" name="Google Shape;130;gced575e695_0_80:notes"/>
+          <p:cNvPr id="131" name="Google Shape;131;gced575e695_0_80:notes"/>
           <p:cNvSpPr/>
           <p:nvPr>
             <p:ph idx="2" type="sldImg"/>
@@ -1007,7 +1007,7 @@
       </p:sp>
       <p:sp>
         <p:nvSpPr>
-          <p:cNvPr id="131" name="Google Shape;131;gced575e695_0_80:notes"/>
+          <p:cNvPr id="132" name="Google Shape;132;gced575e695_0_80:notes"/>
           <p:cNvSpPr txBox="1"/>
           <p:nvPr>
             <p:ph idx="1" type="body"/>
@@ -1057,7 +1057,7 @@
   <p:cSld>
     <p:spTree>
       <p:nvGrpSpPr>
-        <p:cNvPr id="135" name="Shape 135"/>
+        <p:cNvPr id="136" name="Shape 136"/>
         <p:cNvGrpSpPr/>
         <p:nvPr/>
       </p:nvGrpSpPr>
@@ -1071,7 +1071,7 @@
       </p:grpSpPr>
       <p:sp>
         <p:nvSpPr>
-          <p:cNvPr id="136" name="Google Shape;136;gced575e695_0_85:notes"/>
+          <p:cNvPr id="137" name="Google Shape;137;gced575e695_0_85:notes"/>
           <p:cNvSpPr/>
           <p:nvPr>
             <p:ph idx="2" type="sldImg"/>
@@ -1106,7 +1106,7 @@
       </p:sp>
       <p:sp>
         <p:nvSpPr>
-          <p:cNvPr id="137" name="Google Shape;137;gced575e695_0_85:notes"/>
+          <p:cNvPr id="138" name="Google Shape;138;gced575e695_0_85:notes"/>
           <p:cNvSpPr txBox="1"/>
           <p:nvPr>
             <p:ph idx="1" type="body"/>
@@ -1156,7 +1156,7 @@
   <p:cSld>
     <p:spTree>
       <p:nvGrpSpPr>
-        <p:cNvPr id="143" name="Shape 143"/>
+        <p:cNvPr id="144" name="Shape 144"/>
         <p:cNvGrpSpPr/>
         <p:nvPr/>
       </p:nvGrpSpPr>
@@ -1170,7 +1170,7 @@
       </p:grpSpPr>
       <p:sp>
         <p:nvSpPr>
-          <p:cNvPr id="144" name="Google Shape;144;gced575e695_0_93:notes"/>
+          <p:cNvPr id="145" name="Google Shape;145;gced575e695_0_93:notes"/>
           <p:cNvSpPr/>
           <p:nvPr>
             <p:ph idx="2" type="sldImg"/>
@@ -1205,7 +1205,7 @@
       </p:sp>
       <p:sp>
         <p:nvSpPr>
-          <p:cNvPr id="145" name="Google Shape;145;gced575e695_0_93:notes"/>
+          <p:cNvPr id="146" name="Google Shape;146;gced575e695_0_93:notes"/>
           <p:cNvSpPr txBox="1"/>
           <p:nvPr>
             <p:ph idx="1" type="body"/>
@@ -1255,7 +1255,7 @@
   <p:cSld>
     <p:spTree>
       <p:nvGrpSpPr>
-        <p:cNvPr id="152" name="Shape 152"/>
+        <p:cNvPr id="153" name="Shape 153"/>
         <p:cNvGrpSpPr/>
         <p:nvPr/>
       </p:nvGrpSpPr>
@@ -1269,7 +1269,7 @@
       </p:grpSpPr>
       <p:sp>
         <p:nvSpPr>
-          <p:cNvPr id="153" name="Google Shape;153;gced575e695_0_102:notes"/>
+          <p:cNvPr id="154" name="Google Shape;154;gced575e695_0_102:notes"/>
           <p:cNvSpPr/>
           <p:nvPr>
             <p:ph idx="2" type="sldImg"/>
@@ -1304,7 +1304,7 @@
       </p:sp>
       <p:sp>
         <p:nvSpPr>
-          <p:cNvPr id="154" name="Google Shape;154;gced575e695_0_102:notes"/>
+          <p:cNvPr id="155" name="Google Shape;155;gced575e695_0_102:notes"/>
           <p:cNvSpPr txBox="1"/>
           <p:nvPr>
             <p:ph idx="1" type="body"/>
@@ -1354,7 +1354,7 @@
   <p:cSld>
     <p:spTree>
       <p:nvGrpSpPr>
-        <p:cNvPr id="165" name="Shape 165"/>
+        <p:cNvPr id="166" name="Shape 166"/>
         <p:cNvGrpSpPr/>
         <p:nvPr/>
       </p:nvGrpSpPr>
@@ -1368,7 +1368,7 @@
       </p:grpSpPr>
       <p:sp>
         <p:nvSpPr>
-          <p:cNvPr id="166" name="Google Shape;166;gced575e695_1_5:notes"/>
+          <p:cNvPr id="167" name="Google Shape;167;gced575e695_1_5:notes"/>
           <p:cNvSpPr/>
           <p:nvPr>
             <p:ph idx="2" type="sldImg"/>
@@ -1403,7 +1403,7 @@
       </p:sp>
       <p:sp>
         <p:nvSpPr>
-          <p:cNvPr id="167" name="Google Shape;167;gced575e695_1_5:notes"/>
+          <p:cNvPr id="168" name="Google Shape;168;gced575e695_1_5:notes"/>
           <p:cNvSpPr txBox="1"/>
           <p:nvPr>
             <p:ph idx="1" type="body"/>
@@ -1453,7 +1453,7 @@
   <p:cSld>
     <p:spTree>
       <p:nvGrpSpPr>
-        <p:cNvPr id="170" name="Shape 170"/>
+        <p:cNvPr id="171" name="Shape 171"/>
         <p:cNvGrpSpPr/>
         <p:nvPr/>
       </p:nvGrpSpPr>
@@ -1467,7 +1467,7 @@
       </p:grpSpPr>
       <p:sp>
         <p:nvSpPr>
-          <p:cNvPr id="171" name="Google Shape;171;gced575e695_1_0:notes"/>
+          <p:cNvPr id="172" name="Google Shape;172;gced575e695_1_0:notes"/>
           <p:cNvSpPr/>
           <p:nvPr>
             <p:ph idx="2" type="sldImg"/>
@@ -1502,7 +1502,7 @@
       </p:sp>
       <p:sp>
         <p:nvSpPr>
-          <p:cNvPr id="172" name="Google Shape;172;gced575e695_1_0:notes"/>
+          <p:cNvPr id="173" name="Google Shape;173;gced575e695_1_0:notes"/>
           <p:cNvSpPr txBox="1"/>
           <p:nvPr>
             <p:ph idx="1" type="body"/>
@@ -1552,7 +1552,7 @@
   <p:cSld>
     <p:spTree>
       <p:nvGrpSpPr>
-        <p:cNvPr id="178" name="Shape 178"/>
+        <p:cNvPr id="179" name="Shape 179"/>
         <p:cNvGrpSpPr/>
         <p:nvPr/>
       </p:nvGrpSpPr>
@@ -1566,7 +1566,7 @@
       </p:grpSpPr>
       <p:sp>
         <p:nvSpPr>
-          <p:cNvPr id="179" name="Google Shape;179;gced57b39ea_0_4:notes"/>
+          <p:cNvPr id="180" name="Google Shape;180;gced57b39ea_0_4:notes"/>
           <p:cNvSpPr/>
           <p:nvPr>
             <p:ph idx="2" type="sldImg"/>
@@ -1601,7 +1601,7 @@
       </p:sp>
       <p:sp>
         <p:nvSpPr>
-          <p:cNvPr id="180" name="Google Shape;180;gced57b39ea_0_4:notes"/>
+          <p:cNvPr id="181" name="Google Shape;181;gced57b39ea_0_4:notes"/>
           <p:cNvSpPr txBox="1"/>
           <p:nvPr>
             <p:ph idx="1" type="body"/>
@@ -1651,7 +1651,7 @@
   <p:cSld>
     <p:spTree>
       <p:nvGrpSpPr>
-        <p:cNvPr id="186" name="Shape 186"/>
+        <p:cNvPr id="187" name="Shape 187"/>
         <p:cNvGrpSpPr/>
         <p:nvPr/>
       </p:nvGrpSpPr>
@@ -1665,7 +1665,7 @@
       </p:grpSpPr>
       <p:sp>
         <p:nvSpPr>
-          <p:cNvPr id="187" name="Google Shape;187;gced57b39ea_0_11:notes"/>
+          <p:cNvPr id="188" name="Google Shape;188;gced57b39ea_0_11:notes"/>
           <p:cNvSpPr/>
           <p:nvPr>
             <p:ph idx="2" type="sldImg"/>
@@ -1700,7 +1700,7 @@
       </p:sp>
       <p:sp>
         <p:nvSpPr>
-          <p:cNvPr id="188" name="Google Shape;188;gced57b39ea_0_11:notes"/>
+          <p:cNvPr id="189" name="Google Shape;189;gced57b39ea_0_11:notes"/>
           <p:cNvSpPr txBox="1"/>
           <p:nvPr>
             <p:ph idx="1" type="body"/>
@@ -1750,7 +1750,7 @@
   <p:cSld>
     <p:spTree>
       <p:nvGrpSpPr>
-        <p:cNvPr id="207" name="Shape 207"/>
+        <p:cNvPr id="208" name="Shape 208"/>
         <p:cNvGrpSpPr/>
         <p:nvPr/>
       </p:nvGrpSpPr>
@@ -1764,7 +1764,7 @@
       </p:grpSpPr>
       <p:sp>
         <p:nvSpPr>
-          <p:cNvPr id="208" name="Google Shape;208;gced57b39ea_0_31:notes"/>
+          <p:cNvPr id="209" name="Google Shape;209;gced57b39ea_0_31:notes"/>
           <p:cNvSpPr/>
           <p:nvPr>
             <p:ph idx="2" type="sldImg"/>
@@ -1799,7 +1799,7 @@
       </p:sp>
       <p:sp>
         <p:nvSpPr>
-          <p:cNvPr id="209" name="Google Shape;209;gced57b39ea_0_31:notes"/>
+          <p:cNvPr id="210" name="Google Shape;210;gced57b39ea_0_31:notes"/>
           <p:cNvSpPr txBox="1"/>
           <p:nvPr>
             <p:ph idx="1" type="body"/>
@@ -1849,7 +1849,7 @@
   <p:cSld>
     <p:spTree>
       <p:nvGrpSpPr>
-        <p:cNvPr id="61" name="Shape 61"/>
+        <p:cNvPr id="62" name="Shape 62"/>
         <p:cNvGrpSpPr/>
         <p:nvPr/>
       </p:nvGrpSpPr>
@@ -1863,7 +1863,7 @@
       </p:grpSpPr>
       <p:sp>
         <p:nvSpPr>
-          <p:cNvPr id="62" name="Google Shape;62;gced575e503_0_50:notes"/>
+          <p:cNvPr id="63" name="Google Shape;63;gced575e503_0_50:notes"/>
           <p:cNvSpPr/>
           <p:nvPr>
             <p:ph idx="2" type="sldImg"/>
@@ -1898,7 +1898,7 @@
       </p:sp>
       <p:sp>
         <p:nvSpPr>
-          <p:cNvPr id="63" name="Google Shape;63;gced575e503_0_50:notes"/>
+          <p:cNvPr id="64" name="Google Shape;64;gced575e503_0_50:notes"/>
           <p:cNvSpPr txBox="1"/>
           <p:nvPr>
             <p:ph idx="1" type="body"/>
@@ -1948,7 +1948,7 @@
   <p:cSld>
     <p:spTree>
       <p:nvGrpSpPr>
-        <p:cNvPr id="229" name="Shape 229"/>
+        <p:cNvPr id="230" name="Shape 230"/>
         <p:cNvGrpSpPr/>
         <p:nvPr/>
       </p:nvGrpSpPr>
@@ -1962,7 +1962,7 @@
       </p:grpSpPr>
       <p:sp>
         <p:nvSpPr>
-          <p:cNvPr id="230" name="Google Shape;230;gced57b39ea_1_7:notes"/>
+          <p:cNvPr id="231" name="Google Shape;231;gced57b39ea_1_7:notes"/>
           <p:cNvSpPr/>
           <p:nvPr>
             <p:ph idx="2" type="sldImg"/>
@@ -1997,7 +1997,7 @@
       </p:sp>
       <p:sp>
         <p:nvSpPr>
-          <p:cNvPr id="231" name="Google Shape;231;gced57b39ea_1_7:notes"/>
+          <p:cNvPr id="232" name="Google Shape;232;gced57b39ea_1_7:notes"/>
           <p:cNvSpPr txBox="1"/>
           <p:nvPr>
             <p:ph idx="1" type="body"/>
@@ -2047,7 +2047,7 @@
   <p:cSld>
     <p:spTree>
       <p:nvGrpSpPr>
-        <p:cNvPr id="236" name="Shape 236"/>
+        <p:cNvPr id="237" name="Shape 237"/>
         <p:cNvGrpSpPr/>
         <p:nvPr/>
       </p:nvGrpSpPr>
@@ -2061,7 +2061,7 @@
       </p:grpSpPr>
       <p:sp>
         <p:nvSpPr>
-          <p:cNvPr id="237" name="Google Shape;237;gced57b39ea_2_0:notes"/>
+          <p:cNvPr id="238" name="Google Shape;238;gced57b39ea_2_0:notes"/>
           <p:cNvSpPr/>
           <p:nvPr>
             <p:ph idx="2" type="sldImg"/>
@@ -2096,7 +2096,7 @@
       </p:sp>
       <p:sp>
         <p:nvSpPr>
-          <p:cNvPr id="238" name="Google Shape;238;gced57b39ea_2_0:notes"/>
+          <p:cNvPr id="239" name="Google Shape;239;gced57b39ea_2_0:notes"/>
           <p:cNvSpPr txBox="1"/>
           <p:nvPr>
             <p:ph idx="1" type="body"/>
@@ -2146,7 +2146,7 @@
   <p:cSld>
     <p:spTree>
       <p:nvGrpSpPr>
-        <p:cNvPr id="245" name="Shape 245"/>
+        <p:cNvPr id="246" name="Shape 246"/>
         <p:cNvGrpSpPr/>
         <p:nvPr/>
       </p:nvGrpSpPr>
@@ -2160,7 +2160,7 @@
       </p:grpSpPr>
       <p:sp>
         <p:nvSpPr>
-          <p:cNvPr id="246" name="Google Shape;246;gcecf438d45_0_0:notes"/>
+          <p:cNvPr id="247" name="Google Shape;247;gcecf438d45_0_0:notes"/>
           <p:cNvSpPr/>
           <p:nvPr>
             <p:ph idx="2" type="sldImg"/>
@@ -2195,7 +2195,7 @@
       </p:sp>
       <p:sp>
         <p:nvSpPr>
-          <p:cNvPr id="247" name="Google Shape;247;gcecf438d45_0_0:notes"/>
+          <p:cNvPr id="248" name="Google Shape;248;gcecf438d45_0_0:notes"/>
           <p:cNvSpPr txBox="1"/>
           <p:nvPr>
             <p:ph idx="1" type="body"/>
@@ -2245,7 +2245,7 @@
   <p:cSld>
     <p:spTree>
       <p:nvGrpSpPr>
-        <p:cNvPr id="254" name="Shape 254"/>
+        <p:cNvPr id="255" name="Shape 255"/>
         <p:cNvGrpSpPr/>
         <p:nvPr/>
       </p:nvGrpSpPr>
@@ -2259,7 +2259,7 @@
       </p:grpSpPr>
       <p:sp>
         <p:nvSpPr>
-          <p:cNvPr id="255" name="Google Shape;255;gcecf438d45_0_58:notes"/>
+          <p:cNvPr id="256" name="Google Shape;256;gcecf438d45_0_58:notes"/>
           <p:cNvSpPr/>
           <p:nvPr>
             <p:ph idx="2" type="sldImg"/>
@@ -2294,7 +2294,7 @@
       </p:sp>
       <p:sp>
         <p:nvSpPr>
-          <p:cNvPr id="256" name="Google Shape;256;gcecf438d45_0_58:notes"/>
+          <p:cNvPr id="257" name="Google Shape;257;gcecf438d45_0_58:notes"/>
           <p:cNvSpPr txBox="1"/>
           <p:nvPr>
             <p:ph idx="1" type="body"/>
@@ -2344,7 +2344,7 @@
   <p:cSld>
     <p:spTree>
       <p:nvGrpSpPr>
-        <p:cNvPr id="260" name="Shape 260"/>
+        <p:cNvPr id="261" name="Shape 261"/>
         <p:cNvGrpSpPr/>
         <p:nvPr/>
       </p:nvGrpSpPr>
@@ -2358,7 +2358,7 @@
       </p:grpSpPr>
       <p:sp>
         <p:nvSpPr>
-          <p:cNvPr id="261" name="Google Shape;261;gcecf438d45_0_63:notes"/>
+          <p:cNvPr id="262" name="Google Shape;262;gcecf438d45_0_63:notes"/>
           <p:cNvSpPr/>
           <p:nvPr>
             <p:ph idx="2" type="sldImg"/>
@@ -2393,7 +2393,7 @@
       </p:sp>
       <p:sp>
         <p:nvSpPr>
-          <p:cNvPr id="262" name="Google Shape;262;gcecf438d45_0_63:notes"/>
+          <p:cNvPr id="263" name="Google Shape;263;gcecf438d45_0_63:notes"/>
           <p:cNvSpPr txBox="1"/>
           <p:nvPr>
             <p:ph idx="1" type="body"/>
@@ -2443,7 +2443,7 @@
   <p:cSld>
     <p:spTree>
       <p:nvGrpSpPr>
-        <p:cNvPr id="270" name="Shape 270"/>
+        <p:cNvPr id="271" name="Shape 271"/>
         <p:cNvGrpSpPr/>
         <p:nvPr/>
       </p:nvGrpSpPr>
@@ -2457,7 +2457,7 @@
       </p:grpSpPr>
       <p:sp>
         <p:nvSpPr>
-          <p:cNvPr id="271" name="Google Shape;271;gcecf438d45_0_77:notes"/>
+          <p:cNvPr id="272" name="Google Shape;272;gcecf438d45_0_77:notes"/>
           <p:cNvSpPr/>
           <p:nvPr>
             <p:ph idx="2" type="sldImg"/>
@@ -2492,7 +2492,7 @@
       </p:sp>
       <p:sp>
         <p:nvSpPr>
-          <p:cNvPr id="272" name="Google Shape;272;gcecf438d45_0_77:notes"/>
+          <p:cNvPr id="273" name="Google Shape;273;gcecf438d45_0_77:notes"/>
           <p:cNvSpPr txBox="1"/>
           <p:nvPr>
             <p:ph idx="1" type="body"/>
@@ -2542,7 +2542,7 @@
   <p:cSld>
     <p:spTree>
       <p:nvGrpSpPr>
-        <p:cNvPr id="280" name="Shape 280"/>
+        <p:cNvPr id="281" name="Shape 281"/>
         <p:cNvGrpSpPr/>
         <p:nvPr/>
       </p:nvGrpSpPr>
@@ -2556,7 +2556,7 @@
       </p:grpSpPr>
       <p:sp>
         <p:nvSpPr>
-          <p:cNvPr id="281" name="Google Shape;281;gcecf438d45_0_87:notes"/>
+          <p:cNvPr id="282" name="Google Shape;282;gcecf438d45_0_87:notes"/>
           <p:cNvSpPr/>
           <p:nvPr>
             <p:ph idx="2" type="sldImg"/>
@@ -2591,7 +2591,7 @@
       </p:sp>
       <p:sp>
         <p:nvSpPr>
-          <p:cNvPr id="282" name="Google Shape;282;gcecf438d45_0_87:notes"/>
+          <p:cNvPr id="283" name="Google Shape;283;gcecf438d45_0_87:notes"/>
           <p:cNvSpPr txBox="1"/>
           <p:nvPr>
             <p:ph idx="1" type="body"/>
@@ -2641,7 +2641,7 @@
   <p:cSld>
     <p:spTree>
       <p:nvGrpSpPr>
-        <p:cNvPr id="295" name="Shape 295"/>
+        <p:cNvPr id="296" name="Shape 296"/>
         <p:cNvGrpSpPr/>
         <p:nvPr/>
       </p:nvGrpSpPr>
@@ -2655,7 +2655,7 @@
       </p:grpSpPr>
       <p:sp>
         <p:nvSpPr>
-          <p:cNvPr id="296" name="Google Shape;296;gcecf438d45_0_6:notes"/>
+          <p:cNvPr id="297" name="Google Shape;297;gcecf438d45_0_6:notes"/>
           <p:cNvSpPr/>
           <p:nvPr>
             <p:ph idx="2" type="sldImg"/>
@@ -2690,7 +2690,7 @@
       </p:sp>
       <p:sp>
         <p:nvSpPr>
-          <p:cNvPr id="297" name="Google Shape;297;gcecf438d45_0_6:notes"/>
+          <p:cNvPr id="298" name="Google Shape;298;gcecf438d45_0_6:notes"/>
           <p:cNvSpPr txBox="1"/>
           <p:nvPr>
             <p:ph idx="1" type="body"/>
@@ -2740,7 +2740,7 @@
   <p:cSld>
     <p:spTree>
       <p:nvGrpSpPr>
-        <p:cNvPr id="302" name="Shape 302"/>
+        <p:cNvPr id="303" name="Shape 303"/>
         <p:cNvGrpSpPr/>
         <p:nvPr/>
       </p:nvGrpSpPr>
@@ -2754,7 +2754,7 @@
       </p:grpSpPr>
       <p:sp>
         <p:nvSpPr>
-          <p:cNvPr id="303" name="Google Shape;303;gcecf438d45_0_12:notes"/>
+          <p:cNvPr id="304" name="Google Shape;304;gcecf438d45_0_12:notes"/>
           <p:cNvSpPr/>
           <p:nvPr>
             <p:ph idx="2" type="sldImg"/>
@@ -2789,7 +2789,7 @@
       </p:sp>
       <p:sp>
         <p:nvSpPr>
-          <p:cNvPr id="304" name="Google Shape;304;gcecf438d45_0_12:notes"/>
+          <p:cNvPr id="305" name="Google Shape;305;gcecf438d45_0_12:notes"/>
           <p:cNvSpPr txBox="1"/>
           <p:nvPr>
             <p:ph idx="1" type="body"/>
@@ -2839,7 +2839,7 @@
   <p:cSld>
     <p:spTree>
       <p:nvGrpSpPr>
-        <p:cNvPr id="309" name="Shape 309"/>
+        <p:cNvPr id="310" name="Shape 310"/>
         <p:cNvGrpSpPr/>
         <p:nvPr/>
       </p:nvGrpSpPr>
@@ -2853,7 +2853,7 @@
       </p:grpSpPr>
       <p:sp>
         <p:nvSpPr>
-          <p:cNvPr id="310" name="Google Shape;310;gcecf438d45_0_97:notes"/>
+          <p:cNvPr id="311" name="Google Shape;311;gcecf438d45_0_97:notes"/>
           <p:cNvSpPr/>
           <p:nvPr>
             <p:ph idx="2" type="sldImg"/>
@@ -2888,7 +2888,7 @@
       </p:sp>
       <p:sp>
         <p:nvSpPr>
-          <p:cNvPr id="311" name="Google Shape;311;gcecf438d45_0_97:notes"/>
+          <p:cNvPr id="312" name="Google Shape;312;gcecf438d45_0_97:notes"/>
           <p:cNvSpPr txBox="1"/>
           <p:nvPr>
             <p:ph idx="1" type="body"/>
@@ -2938,7 +2938,7 @@
   <p:cSld>
     <p:spTree>
       <p:nvGrpSpPr>
-        <p:cNvPr id="67" name="Shape 67"/>
+        <p:cNvPr id="68" name="Shape 68"/>
         <p:cNvGrpSpPr/>
         <p:nvPr/>
       </p:nvGrpSpPr>
@@ -2952,7 +2952,7 @@
       </p:grpSpPr>
       <p:sp>
         <p:nvSpPr>
-          <p:cNvPr id="68" name="Google Shape;68;gced575e503_0_55:notes"/>
+          <p:cNvPr id="69" name="Google Shape;69;gced575e503_0_55:notes"/>
           <p:cNvSpPr/>
           <p:nvPr>
             <p:ph idx="2" type="sldImg"/>
@@ -2987,7 +2987,7 @@
       </p:sp>
       <p:sp>
         <p:nvSpPr>
-          <p:cNvPr id="69" name="Google Shape;69;gced575e503_0_55:notes"/>
+          <p:cNvPr id="70" name="Google Shape;70;gced575e503_0_55:notes"/>
           <p:cNvSpPr txBox="1"/>
           <p:nvPr>
             <p:ph idx="1" type="body"/>
@@ -3037,7 +3037,7 @@
   <p:cSld>
     <p:spTree>
       <p:nvGrpSpPr>
-        <p:cNvPr id="315" name="Shape 315"/>
+        <p:cNvPr id="316" name="Shape 316"/>
         <p:cNvGrpSpPr/>
         <p:nvPr/>
       </p:nvGrpSpPr>
@@ -3051,7 +3051,7 @@
       </p:grpSpPr>
       <p:sp>
         <p:nvSpPr>
-          <p:cNvPr id="316" name="Google Shape;316;gcecf438d45_0_18:notes"/>
+          <p:cNvPr id="317" name="Google Shape;317;gcecf438d45_0_18:notes"/>
           <p:cNvSpPr/>
           <p:nvPr>
             <p:ph idx="2" type="sldImg"/>
@@ -3086,7 +3086,7 @@
       </p:sp>
       <p:sp>
         <p:nvSpPr>
-          <p:cNvPr id="317" name="Google Shape;317;gcecf438d45_0_18:notes"/>
+          <p:cNvPr id="318" name="Google Shape;318;gcecf438d45_0_18:notes"/>
           <p:cNvSpPr txBox="1"/>
           <p:nvPr>
             <p:ph idx="1" type="body"/>
@@ -3136,7 +3136,7 @@
   <p:cSld>
     <p:spTree>
       <p:nvGrpSpPr>
-        <p:cNvPr id="334" name="Shape 334"/>
+        <p:cNvPr id="335" name="Shape 335"/>
         <p:cNvGrpSpPr/>
         <p:nvPr/>
       </p:nvGrpSpPr>
@@ -3150,7 +3150,7 @@
       </p:grpSpPr>
       <p:sp>
         <p:nvSpPr>
-          <p:cNvPr id="335" name="Google Shape;335;gcecf438d45_0_116:notes"/>
+          <p:cNvPr id="336" name="Google Shape;336;gcecf438d45_0_116:notes"/>
           <p:cNvSpPr/>
           <p:nvPr>
             <p:ph idx="2" type="sldImg"/>
@@ -3185,7 +3185,7 @@
       </p:sp>
       <p:sp>
         <p:nvSpPr>
-          <p:cNvPr id="336" name="Google Shape;336;gcecf438d45_0_116:notes"/>
+          <p:cNvPr id="337" name="Google Shape;337;gcecf438d45_0_116:notes"/>
           <p:cNvSpPr txBox="1"/>
           <p:nvPr>
             <p:ph idx="1" type="body"/>
@@ -3235,7 +3235,7 @@
   <p:cSld>
     <p:spTree>
       <p:nvGrpSpPr>
-        <p:cNvPr id="344" name="Shape 344"/>
+        <p:cNvPr id="345" name="Shape 345"/>
         <p:cNvGrpSpPr/>
         <p:nvPr/>
       </p:nvGrpSpPr>
@@ -3249,7 +3249,7 @@
       </p:grpSpPr>
       <p:sp>
         <p:nvSpPr>
-          <p:cNvPr id="345" name="Google Shape;345;gcecf438d45_2_0:notes"/>
+          <p:cNvPr id="346" name="Google Shape;346;gcecf438d45_2_0:notes"/>
           <p:cNvSpPr/>
           <p:nvPr>
             <p:ph idx="2" type="sldImg"/>
@@ -3284,7 +3284,7 @@
       </p:sp>
       <p:sp>
         <p:nvSpPr>
-          <p:cNvPr id="346" name="Google Shape;346;gcecf438d45_2_0:notes"/>
+          <p:cNvPr id="347" name="Google Shape;347;gcecf438d45_2_0:notes"/>
           <p:cNvSpPr txBox="1"/>
           <p:nvPr>
             <p:ph idx="1" type="body"/>
@@ -3334,7 +3334,7 @@
   <p:cSld>
     <p:spTree>
       <p:nvGrpSpPr>
-        <p:cNvPr id="349" name="Shape 349"/>
+        <p:cNvPr id="350" name="Shape 350"/>
         <p:cNvGrpSpPr/>
         <p:nvPr/>
       </p:nvGrpSpPr>
@@ -3348,7 +3348,7 @@
       </p:grpSpPr>
       <p:sp>
         <p:nvSpPr>
-          <p:cNvPr id="350" name="Google Shape;350;gcecf438d45_2_14:notes"/>
+          <p:cNvPr id="351" name="Google Shape;351;gcecf438d45_2_14:notes"/>
           <p:cNvSpPr/>
           <p:nvPr>
             <p:ph idx="2" type="sldImg"/>
@@ -3383,7 +3383,7 @@
       </p:sp>
       <p:sp>
         <p:nvSpPr>
-          <p:cNvPr id="351" name="Google Shape;351;gcecf438d45_2_14:notes"/>
+          <p:cNvPr id="352" name="Google Shape;352;gcecf438d45_2_14:notes"/>
           <p:cNvSpPr txBox="1"/>
           <p:nvPr>
             <p:ph idx="1" type="body"/>
@@ -3433,7 +3433,7 @@
   <p:cSld>
     <p:spTree>
       <p:nvGrpSpPr>
-        <p:cNvPr id="357" name="Shape 357"/>
+        <p:cNvPr id="358" name="Shape 358"/>
         <p:cNvGrpSpPr/>
         <p:nvPr/>
       </p:nvGrpSpPr>
@@ -3447,7 +3447,7 @@
       </p:grpSpPr>
       <p:sp>
         <p:nvSpPr>
-          <p:cNvPr id="358" name="Google Shape;358;gcecf438d45_2_5:notes"/>
+          <p:cNvPr id="359" name="Google Shape;359;gcecf438d45_2_5:notes"/>
           <p:cNvSpPr/>
           <p:nvPr>
             <p:ph idx="2" type="sldImg"/>
@@ -3482,7 +3482,7 @@
       </p:sp>
       <p:sp>
         <p:nvSpPr>
-          <p:cNvPr id="359" name="Google Shape;359;gcecf438d45_2_5:notes"/>
+          <p:cNvPr id="360" name="Google Shape;360;gcecf438d45_2_5:notes"/>
           <p:cNvSpPr txBox="1"/>
           <p:nvPr>
             <p:ph idx="1" type="body"/>
@@ -3532,7 +3532,7 @@
   <p:cSld>
     <p:spTree>
       <p:nvGrpSpPr>
-        <p:cNvPr id="74" name="Shape 74"/>
+        <p:cNvPr id="75" name="Shape 75"/>
         <p:cNvGrpSpPr/>
         <p:nvPr/>
       </p:nvGrpSpPr>
@@ -3546,7 +3546,7 @@
       </p:grpSpPr>
       <p:sp>
         <p:nvSpPr>
-          <p:cNvPr id="75" name="Google Shape;75;gced575e503_0_61:notes"/>
+          <p:cNvPr id="76" name="Google Shape;76;gced575e503_0_61:notes"/>
           <p:cNvSpPr/>
           <p:nvPr>
             <p:ph idx="2" type="sldImg"/>
@@ -3581,7 +3581,7 @@
       </p:sp>
       <p:sp>
         <p:nvSpPr>
-          <p:cNvPr id="76" name="Google Shape;76;gced575e503_0_61:notes"/>
+          <p:cNvPr id="77" name="Google Shape;77;gced575e503_0_61:notes"/>
           <p:cNvSpPr txBox="1"/>
           <p:nvPr>
             <p:ph idx="1" type="body"/>
@@ -3631,7 +3631,7 @@
   <p:cSld>
     <p:spTree>
       <p:nvGrpSpPr>
-        <p:cNvPr id="80" name="Shape 80"/>
+        <p:cNvPr id="81" name="Shape 81"/>
         <p:cNvGrpSpPr/>
         <p:nvPr/>
       </p:nvGrpSpPr>
@@ -3645,7 +3645,7 @@
       </p:grpSpPr>
       <p:sp>
         <p:nvSpPr>
-          <p:cNvPr id="81" name="Google Shape;81;gced575e695_0_23:notes"/>
+          <p:cNvPr id="82" name="Google Shape;82;gced575e695_0_23:notes"/>
           <p:cNvSpPr/>
           <p:nvPr>
             <p:ph idx="2" type="sldImg"/>
@@ -3680,7 +3680,7 @@
       </p:sp>
       <p:sp>
         <p:nvSpPr>
-          <p:cNvPr id="82" name="Google Shape;82;gced575e695_0_23:notes"/>
+          <p:cNvPr id="83" name="Google Shape;83;gced575e695_0_23:notes"/>
           <p:cNvSpPr txBox="1"/>
           <p:nvPr>
             <p:ph idx="1" type="body"/>
@@ -3730,7 +3730,7 @@
   <p:cSld>
     <p:spTree>
       <p:nvGrpSpPr>
-        <p:cNvPr id="97" name="Shape 97"/>
+        <p:cNvPr id="98" name="Shape 98"/>
         <p:cNvGrpSpPr/>
         <p:nvPr/>
       </p:nvGrpSpPr>
@@ -3744,7 +3744,7 @@
       </p:grpSpPr>
       <p:sp>
         <p:nvSpPr>
-          <p:cNvPr id="98" name="Google Shape;98;gced575e695_0_28:notes"/>
+          <p:cNvPr id="99" name="Google Shape;99;gced575e695_0_28:notes"/>
           <p:cNvSpPr/>
           <p:nvPr>
             <p:ph idx="2" type="sldImg"/>
@@ -3779,7 +3779,7 @@
       </p:sp>
       <p:sp>
         <p:nvSpPr>
-          <p:cNvPr id="99" name="Google Shape;99;gced575e695_0_28:notes"/>
+          <p:cNvPr id="100" name="Google Shape;100;gced575e695_0_28:notes"/>
           <p:cNvSpPr txBox="1"/>
           <p:nvPr>
             <p:ph idx="1" type="body"/>
@@ -3829,7 +3829,7 @@
   <p:cSld>
     <p:spTree>
       <p:nvGrpSpPr>
-        <p:cNvPr id="103" name="Shape 103"/>
+        <p:cNvPr id="104" name="Shape 104"/>
         <p:cNvGrpSpPr/>
         <p:nvPr/>
       </p:nvGrpSpPr>
@@ -3843,7 +3843,7 @@
       </p:grpSpPr>
       <p:sp>
         <p:nvSpPr>
-          <p:cNvPr id="104" name="Google Shape;104;gced575e695_0_33:notes"/>
+          <p:cNvPr id="105" name="Google Shape;105;gced575e695_0_33:notes"/>
           <p:cNvSpPr/>
           <p:nvPr>
             <p:ph idx="2" type="sldImg"/>
@@ -3878,7 +3878,7 @@
       </p:sp>
       <p:sp>
         <p:nvSpPr>
-          <p:cNvPr id="105" name="Google Shape;105;gced575e695_0_33:notes"/>
+          <p:cNvPr id="106" name="Google Shape;106;gced575e695_0_33:notes"/>
           <p:cNvSpPr txBox="1"/>
           <p:nvPr>
             <p:ph idx="1" type="body"/>
@@ -3928,7 +3928,7 @@
   <p:cSld>
     <p:spTree>
       <p:nvGrpSpPr>
-        <p:cNvPr id="109" name="Shape 109"/>
+        <p:cNvPr id="110" name="Shape 110"/>
         <p:cNvGrpSpPr/>
         <p:nvPr/>
       </p:nvGrpSpPr>
@@ -3942,7 +3942,7 @@
       </p:grpSpPr>
       <p:sp>
         <p:nvSpPr>
-          <p:cNvPr id="110" name="Google Shape;110;gced575e695_0_54:notes"/>
+          <p:cNvPr id="111" name="Google Shape;111;gced575e695_0_54:notes"/>
           <p:cNvSpPr/>
           <p:nvPr>
             <p:ph idx="2" type="sldImg"/>
@@ -3977,7 +3977,7 @@
       </p:sp>
       <p:sp>
         <p:nvSpPr>
-          <p:cNvPr id="111" name="Google Shape;111;gced575e695_0_54:notes"/>
+          <p:cNvPr id="112" name="Google Shape;112;gced575e695_0_54:notes"/>
           <p:cNvSpPr txBox="1"/>
           <p:nvPr>
             <p:ph idx="1" type="body"/>
@@ -4027,7 +4027,7 @@
   <p:cSld>
     <p:spTree>
       <p:nvGrpSpPr>
-        <p:cNvPr id="117" name="Shape 117"/>
+        <p:cNvPr id="118" name="Shape 118"/>
         <p:cNvGrpSpPr/>
         <p:nvPr/>
       </p:nvGrpSpPr>
@@ -4041,7 +4041,7 @@
       </p:grpSpPr>
       <p:sp>
         <p:nvSpPr>
-          <p:cNvPr id="118" name="Google Shape;118;gced575e695_0_67:notes"/>
+          <p:cNvPr id="119" name="Google Shape;119;gced575e695_0_67:notes"/>
           <p:cNvSpPr/>
           <p:nvPr>
             <p:ph idx="2" type="sldImg"/>
@@ -4076,7 +4076,7 @@
       </p:sp>
       <p:sp>
         <p:nvSpPr>
-          <p:cNvPr id="119" name="Google Shape;119;gced575e695_0_67:notes"/>
+          <p:cNvPr id="120" name="Google Shape;120;gced575e695_0_67:notes"/>
           <p:cNvSpPr txBox="1"/>
           <p:nvPr>
             <p:ph idx="1" type="body"/>
@@ -9375,58 +9375,46 @@
           <a:chExt cx="0" cy="0"/>
         </a:xfrm>
       </p:grpSpPr>
-      <p:sp>
-        <p:nvSpPr>
+      <p:pic>
+        <p:nvPicPr>
           <p:cNvPr id="59" name="Google Shape;59;p13"/>
-          <p:cNvSpPr txBox="1"/>
-          <p:nvPr>
-            <p:ph type="ctrTitle"/>
-          </p:nvPr>
-        </p:nvSpPr>
+          <p:cNvPicPr preferRelativeResize="0"/>
+          <p:nvPr/>
+        </p:nvPicPr>
+        <p:blipFill>
+          <a:blip r:embed="rId3">
+            <a:alphaModFix/>
+          </a:blip>
+          <a:stretch>
+            <a:fillRect/>
+          </a:stretch>
+        </p:blipFill>
         <p:spPr>
           <a:xfrm>
-            <a:off x="671258" y="990800"/>
-            <a:ext cx="7801500" cy="1730100"/>
+            <a:off x="114250" y="0"/>
+            <a:ext cx="3432875" cy="5160400"/>
           </a:xfrm>
           <a:prstGeom prst="rect">
             <a:avLst/>
           </a:prstGeom>
+          <a:noFill/>
+          <a:ln>
+            <a:noFill/>
+          </a:ln>
         </p:spPr>
-        <p:txBody>
-          <a:bodyPr anchorCtr="0" anchor="b" bIns="91425" lIns="91425" spcFirstLastPara="1" rIns="91425" wrap="square" tIns="91425">
-            <a:normAutofit/>
-          </a:bodyPr>
-          <a:lstStyle/>
-          <a:p>
-            <a:pPr indent="0" lvl="0" marL="0" rtl="0" algn="ctr">
-              <a:spcBef>
-                <a:spcPts val="0"/>
-              </a:spcBef>
-              <a:spcAft>
-                <a:spcPts val="0"/>
-              </a:spcAft>
-              <a:buNone/>
-            </a:pPr>
-            <a:r>
-              <a:rPr lang="en"/>
-              <a:t>Why Can’t We All Just Get Along?</a:t>
-            </a:r>
-            <a:endParaRPr/>
-          </a:p>
-        </p:txBody>
-      </p:sp>
+      </p:pic>
       <p:sp>
         <p:nvSpPr>
           <p:cNvPr id="60" name="Google Shape;60;p13"/>
           <p:cNvSpPr txBox="1"/>
           <p:nvPr>
-            <p:ph idx="1" type="subTitle"/>
+            <p:ph idx="4294967295" type="ctrTitle"/>
           </p:nvPr>
         </p:nvSpPr>
         <p:spPr>
           <a:xfrm>
-            <a:off x="671250" y="3174876"/>
-            <a:ext cx="7801500" cy="792600"/>
+            <a:off x="3602750" y="438600"/>
+            <a:ext cx="5606100" cy="1730100"/>
           </a:xfrm>
           <a:prstGeom prst="rect">
             <a:avLst/>
@@ -9438,20 +9426,72 @@
           </a:bodyPr>
           <a:lstStyle/>
           <a:p>
-            <a:pPr indent="0" lvl="0" marL="0" rtl="0" algn="ctr">
-              <a:spcBef>
-                <a:spcPts val="0"/>
-              </a:spcBef>
-              <a:spcAft>
-                <a:spcPts val="0"/>
-              </a:spcAft>
-              <a:buNone/>
-            </a:pPr>
-            <a:r>
-              <a:rPr lang="en"/>
-              <a:t>(we can…)</a:t>
-            </a:r>
-            <a:endParaRPr/>
+            <a:pPr indent="0" lvl="0" marL="0" rtl="0" algn="l">
+              <a:spcBef>
+                <a:spcPts val="0"/>
+              </a:spcBef>
+              <a:spcAft>
+                <a:spcPts val="0"/>
+              </a:spcAft>
+              <a:buSzPts val="990"/>
+              <a:buNone/>
+            </a:pPr>
+            <a:r>
+              <a:rPr lang="en" sz="3920"/>
+              <a:t>but the whole is something beside the parts…</a:t>
+            </a:r>
+            <a:endParaRPr sz="3920"/>
+          </a:p>
+        </p:txBody>
+      </p:sp>
+      <p:sp>
+        <p:nvSpPr>
+          <p:cNvPr id="61" name="Google Shape;61;p13"/>
+          <p:cNvSpPr txBox="1"/>
+          <p:nvPr>
+            <p:ph idx="4294967295" type="subTitle"/>
+          </p:nvPr>
+        </p:nvSpPr>
+        <p:spPr>
+          <a:xfrm>
+            <a:off x="3633225" y="3989900"/>
+            <a:ext cx="2677200" cy="792600"/>
+          </a:xfrm>
+          <a:prstGeom prst="rect">
+            <a:avLst/>
+          </a:prstGeom>
+        </p:spPr>
+        <p:txBody>
+          <a:bodyPr anchorCtr="0" anchor="t" bIns="91425" lIns="91425" spcFirstLastPara="1" rIns="91425" wrap="square" tIns="91425">
+            <a:normAutofit/>
+          </a:bodyPr>
+          <a:lstStyle/>
+          <a:p>
+            <a:pPr indent="0" lvl="0" marL="0" rtl="0" algn="l">
+              <a:lnSpc>
+                <a:spcPct val="90000"/>
+              </a:lnSpc>
+              <a:spcBef>
+                <a:spcPts val="0"/>
+              </a:spcBef>
+              <a:spcAft>
+                <a:spcPts val="1200"/>
+              </a:spcAft>
+              <a:buNone/>
+            </a:pPr>
+            <a:r>
+              <a:rPr lang="en" sz="1700">
+                <a:solidFill>
+                  <a:schemeClr val="accent5"/>
+                </a:solidFill>
+              </a:rPr>
+              <a:t>Aristotle, talking about emergent properties</a:t>
+            </a:r>
+            <a:endParaRPr sz="1700">
+              <a:solidFill>
+                <a:schemeClr val="accent5"/>
+              </a:solidFill>
+            </a:endParaRPr>
           </a:p>
         </p:txBody>
       </p:sp>
@@ -9468,7 +9508,7 @@
   <p:cSld>
     <p:spTree>
       <p:nvGrpSpPr>
-        <p:cNvPr id="126" name="Shape 126"/>
+        <p:cNvPr id="127" name="Shape 127"/>
         <p:cNvGrpSpPr/>
         <p:nvPr/>
       </p:nvGrpSpPr>
@@ -9482,7 +9522,7 @@
       </p:grpSpPr>
       <p:sp>
         <p:nvSpPr>
-          <p:cNvPr id="127" name="Google Shape;127;p22"/>
+          <p:cNvPr id="128" name="Google Shape;128;p22"/>
           <p:cNvSpPr/>
           <p:nvPr/>
         </p:nvSpPr>
@@ -9533,7 +9573,7 @@
       </p:sp>
       <p:sp>
         <p:nvSpPr>
-          <p:cNvPr id="128" name="Google Shape;128;p22"/>
+          <p:cNvPr id="129" name="Google Shape;129;p22"/>
           <p:cNvSpPr txBox="1"/>
           <p:nvPr/>
         </p:nvSpPr>
@@ -10200,7 +10240,7 @@
   <p:cSld>
     <p:spTree>
       <p:nvGrpSpPr>
-        <p:cNvPr id="132" name="Shape 132"/>
+        <p:cNvPr id="133" name="Shape 133"/>
         <p:cNvGrpSpPr/>
         <p:nvPr/>
       </p:nvGrpSpPr>
@@ -10214,7 +10254,7 @@
       </p:grpSpPr>
       <p:sp>
         <p:nvSpPr>
-          <p:cNvPr id="133" name="Google Shape;133;p23"/>
+          <p:cNvPr id="134" name="Google Shape;134;p23"/>
           <p:cNvSpPr txBox="1"/>
           <p:nvPr>
             <p:ph type="title"/>
@@ -10254,7 +10294,7 @@
       </p:sp>
       <p:sp>
         <p:nvSpPr>
-          <p:cNvPr id="134" name="Google Shape;134;p23"/>
+          <p:cNvPr id="135" name="Google Shape;135;p23"/>
           <p:cNvSpPr txBox="1"/>
           <p:nvPr>
             <p:ph idx="1" type="body"/>
@@ -10339,7 +10379,7 @@
   <p:cSld>
     <p:spTree>
       <p:nvGrpSpPr>
-        <p:cNvPr id="138" name="Shape 138"/>
+        <p:cNvPr id="139" name="Shape 139"/>
         <p:cNvGrpSpPr/>
         <p:nvPr/>
       </p:nvGrpSpPr>
@@ -10353,7 +10393,7 @@
       </p:grpSpPr>
       <p:sp>
         <p:nvSpPr>
-          <p:cNvPr id="139" name="Google Shape;139;p24"/>
+          <p:cNvPr id="140" name="Google Shape;140;p24"/>
           <p:cNvSpPr txBox="1"/>
           <p:nvPr>
             <p:ph type="title"/>
@@ -10393,7 +10433,7 @@
       </p:sp>
       <p:sp>
         <p:nvSpPr>
-          <p:cNvPr id="140" name="Google Shape;140;p24"/>
+          <p:cNvPr id="141" name="Google Shape;141;p24"/>
           <p:cNvSpPr txBox="1"/>
           <p:nvPr>
             <p:ph idx="1" type="body"/>
@@ -10489,7 +10529,7 @@
       </p:sp>
       <p:sp>
         <p:nvSpPr>
-          <p:cNvPr id="141" name="Google Shape;141;p24"/>
+          <p:cNvPr id="142" name="Google Shape;142;p24"/>
           <p:cNvSpPr/>
           <p:nvPr/>
         </p:nvSpPr>
@@ -10540,7 +10580,7 @@
       </p:sp>
       <p:sp>
         <p:nvSpPr>
-          <p:cNvPr id="142" name="Google Shape;142;p24"/>
+          <p:cNvPr id="143" name="Google Shape;143;p24"/>
           <p:cNvSpPr txBox="1"/>
           <p:nvPr/>
         </p:nvSpPr>
@@ -10697,7 +10737,7 @@
   <p:cSld>
     <p:spTree>
       <p:nvGrpSpPr>
-        <p:cNvPr id="146" name="Shape 146"/>
+        <p:cNvPr id="147" name="Shape 147"/>
         <p:cNvGrpSpPr/>
         <p:nvPr/>
       </p:nvGrpSpPr>
@@ -10711,7 +10751,7 @@
       </p:grpSpPr>
       <p:sp>
         <p:nvSpPr>
-          <p:cNvPr id="147" name="Google Shape;147;p25"/>
+          <p:cNvPr id="148" name="Google Shape;148;p25"/>
           <p:cNvSpPr txBox="1"/>
           <p:nvPr>
             <p:ph type="title"/>
@@ -10751,7 +10791,7 @@
       </p:sp>
       <p:sp>
         <p:nvSpPr>
-          <p:cNvPr id="148" name="Google Shape;148;p25"/>
+          <p:cNvPr id="149" name="Google Shape;149;p25"/>
           <p:cNvSpPr txBox="1"/>
           <p:nvPr>
             <p:ph idx="1" type="body"/>
@@ -10847,7 +10887,7 @@
       </p:sp>
       <p:sp>
         <p:nvSpPr>
-          <p:cNvPr id="149" name="Google Shape;149;p25"/>
+          <p:cNvPr id="150" name="Google Shape;150;p25"/>
           <p:cNvSpPr/>
           <p:nvPr/>
         </p:nvSpPr>
@@ -10898,7 +10938,7 @@
       </p:sp>
       <p:sp>
         <p:nvSpPr>
-          <p:cNvPr id="150" name="Google Shape;150;p25"/>
+          <p:cNvPr id="151" name="Google Shape;151;p25"/>
           <p:cNvSpPr txBox="1"/>
           <p:nvPr/>
         </p:nvSpPr>
@@ -11516,7 +11556,7 @@
       </p:sp>
       <p:sp>
         <p:nvSpPr>
-          <p:cNvPr id="151" name="Google Shape;151;p25"/>
+          <p:cNvPr id="152" name="Google Shape;152;p25"/>
           <p:cNvSpPr txBox="1"/>
           <p:nvPr/>
         </p:nvSpPr>
@@ -11585,7 +11625,7 @@
   <p:cSld>
     <p:spTree>
       <p:nvGrpSpPr>
-        <p:cNvPr id="155" name="Shape 155"/>
+        <p:cNvPr id="156" name="Shape 156"/>
         <p:cNvGrpSpPr/>
         <p:nvPr/>
       </p:nvGrpSpPr>
@@ -11599,7 +11639,7 @@
       </p:grpSpPr>
       <p:sp>
         <p:nvSpPr>
-          <p:cNvPr id="156" name="Google Shape;156;p26"/>
+          <p:cNvPr id="157" name="Google Shape;157;p26"/>
           <p:cNvSpPr txBox="1"/>
           <p:nvPr>
             <p:ph type="title"/>
@@ -11639,7 +11679,7 @@
       </p:sp>
       <p:sp>
         <p:nvSpPr>
-          <p:cNvPr id="157" name="Google Shape;157;p26"/>
+          <p:cNvPr id="158" name="Google Shape;158;p26"/>
           <p:cNvSpPr txBox="1"/>
           <p:nvPr>
             <p:ph idx="1" type="body"/>
@@ -11735,7 +11775,7 @@
       </p:sp>
       <p:sp>
         <p:nvSpPr>
-          <p:cNvPr id="158" name="Google Shape;158;p26"/>
+          <p:cNvPr id="159" name="Google Shape;159;p26"/>
           <p:cNvSpPr txBox="1"/>
           <p:nvPr/>
         </p:nvSpPr>
@@ -12353,7 +12393,7 @@
       </p:sp>
       <p:sp>
         <p:nvSpPr>
-          <p:cNvPr id="159" name="Google Shape;159;p26"/>
+          <p:cNvPr id="160" name="Google Shape;160;p26"/>
           <p:cNvSpPr txBox="1"/>
           <p:nvPr/>
         </p:nvSpPr>
@@ -12411,7 +12451,7 @@
       </p:sp>
       <p:sp>
         <p:nvSpPr>
-          <p:cNvPr id="160" name="Google Shape;160;p26"/>
+          <p:cNvPr id="161" name="Google Shape;161;p26"/>
           <p:cNvSpPr/>
           <p:nvPr/>
         </p:nvSpPr>
@@ -12462,7 +12502,7 @@
       </p:sp>
       <p:sp>
         <p:nvSpPr>
-          <p:cNvPr id="161" name="Google Shape;161;p26"/>
+          <p:cNvPr id="162" name="Google Shape;162;p26"/>
           <p:cNvSpPr txBox="1"/>
           <p:nvPr/>
         </p:nvSpPr>
@@ -13078,7 +13118,7 @@
       </p:sp>
       <p:sp>
         <p:nvSpPr>
-          <p:cNvPr id="162" name="Google Shape;162;p26"/>
+          <p:cNvPr id="163" name="Google Shape;163;p26"/>
           <p:cNvSpPr/>
           <p:nvPr/>
         </p:nvSpPr>
@@ -13129,7 +13169,7 @@
       </p:sp>
       <p:sp>
         <p:nvSpPr>
-          <p:cNvPr id="163" name="Google Shape;163;p26"/>
+          <p:cNvPr id="164" name="Google Shape;164;p26"/>
           <p:cNvSpPr txBox="1"/>
           <p:nvPr/>
         </p:nvSpPr>
@@ -13312,7 +13352,7 @@
       </p:sp>
       <p:sp>
         <p:nvSpPr>
-          <p:cNvPr id="164" name="Google Shape;164;p26"/>
+          <p:cNvPr id="165" name="Google Shape;165;p26"/>
           <p:cNvSpPr/>
           <p:nvPr/>
         </p:nvSpPr>
@@ -13396,7 +13436,7 @@
                                           </p:stCondLst>
                                         </p:cTn>
                                         <p:tgtEl>
-                                          <p:spTgt spid="164"/>
+                                          <p:spTgt spid="165"/>
                                         </p:tgtEl>
                                         <p:attrNameLst>
                                           <p:attrName>style.visibility</p:attrName>
@@ -13410,7 +13450,7 @@
                                       <p:cBhvr>
                                         <p:cTn dur="1000"/>
                                         <p:tgtEl>
-                                          <p:spTgt spid="164"/>
+                                          <p:spTgt spid="165"/>
                                         </p:tgtEl>
                                       </p:cBhvr>
                                     </p:animEffect>
@@ -13453,7 +13493,7 @@
   <p:cSld>
     <p:spTree>
       <p:nvGrpSpPr>
-        <p:cNvPr id="168" name="Shape 168"/>
+        <p:cNvPr id="169" name="Shape 169"/>
         <p:cNvGrpSpPr/>
         <p:nvPr/>
       </p:nvGrpSpPr>
@@ -13467,7 +13507,7 @@
       </p:grpSpPr>
       <p:sp>
         <p:nvSpPr>
-          <p:cNvPr id="169" name="Google Shape;169;p27"/>
+          <p:cNvPr id="170" name="Google Shape;170;p27"/>
           <p:cNvSpPr txBox="1"/>
           <p:nvPr>
             <p:ph type="title"/>
@@ -13534,7 +13574,7 @@
   <p:cSld>
     <p:spTree>
       <p:nvGrpSpPr>
-        <p:cNvPr id="173" name="Shape 173"/>
+        <p:cNvPr id="174" name="Shape 174"/>
         <p:cNvGrpSpPr/>
         <p:nvPr/>
       </p:nvGrpSpPr>
@@ -13548,7 +13588,7 @@
       </p:grpSpPr>
       <p:sp>
         <p:nvSpPr>
-          <p:cNvPr id="174" name="Google Shape;174;p28"/>
+          <p:cNvPr id="175" name="Google Shape;175;p28"/>
           <p:cNvSpPr/>
           <p:nvPr/>
         </p:nvSpPr>
@@ -13599,7 +13639,7 @@
       </p:sp>
       <p:sp>
         <p:nvSpPr>
-          <p:cNvPr id="175" name="Google Shape;175;p28"/>
+          <p:cNvPr id="176" name="Google Shape;176;p28"/>
           <p:cNvSpPr txBox="1"/>
           <p:nvPr/>
         </p:nvSpPr>
@@ -13906,7 +13946,7 @@
       </p:sp>
       <p:pic>
         <p:nvPicPr>
-          <p:cNvPr id="176" name="Google Shape;176;p28"/>
+          <p:cNvPr id="177" name="Google Shape;177;p28"/>
           <p:cNvPicPr preferRelativeResize="0"/>
           <p:nvPr/>
         </p:nvPicPr>
@@ -13934,7 +13974,7 @@
       </p:pic>
       <p:sp>
         <p:nvSpPr>
-          <p:cNvPr id="177" name="Google Shape;177;p28"/>
+          <p:cNvPr id="178" name="Google Shape;178;p28"/>
           <p:cNvSpPr txBox="1"/>
           <p:nvPr/>
         </p:nvSpPr>
@@ -14029,7 +14069,7 @@
                                           </p:stCondLst>
                                         </p:cTn>
                                         <p:tgtEl>
-                                          <p:spTgt spid="176"/>
+                                          <p:spTgt spid="177"/>
                                         </p:tgtEl>
                                         <p:attrNameLst>
                                           <p:attrName>style.visibility</p:attrName>
@@ -14043,7 +14083,7 @@
                                       <p:cBhvr>
                                         <p:cTn dur="1000"/>
                                         <p:tgtEl>
-                                          <p:spTgt spid="176"/>
+                                          <p:spTgt spid="177"/>
                                         </p:tgtEl>
                                       </p:cBhvr>
                                     </p:animEffect>
@@ -14086,7 +14126,7 @@
   <p:cSld>
     <p:spTree>
       <p:nvGrpSpPr>
-        <p:cNvPr id="181" name="Shape 181"/>
+        <p:cNvPr id="182" name="Shape 182"/>
         <p:cNvGrpSpPr/>
         <p:nvPr/>
       </p:nvGrpSpPr>
@@ -14100,7 +14140,7 @@
       </p:grpSpPr>
       <p:sp>
         <p:nvSpPr>
-          <p:cNvPr id="182" name="Google Shape;182;p29"/>
+          <p:cNvPr id="183" name="Google Shape;183;p29"/>
           <p:cNvSpPr/>
           <p:nvPr/>
         </p:nvSpPr>
@@ -14151,7 +14191,7 @@
       </p:sp>
       <p:sp>
         <p:nvSpPr>
-          <p:cNvPr id="183" name="Google Shape;183;p29"/>
+          <p:cNvPr id="184" name="Google Shape;184;p29"/>
           <p:cNvSpPr txBox="1"/>
           <p:nvPr/>
         </p:nvSpPr>
@@ -14458,7 +14498,7 @@
       </p:sp>
       <p:sp>
         <p:nvSpPr>
-          <p:cNvPr id="184" name="Google Shape;184;p29"/>
+          <p:cNvPr id="185" name="Google Shape;185;p29"/>
           <p:cNvSpPr/>
           <p:nvPr/>
         </p:nvSpPr>
@@ -14503,7 +14543,7 @@
       </p:sp>
       <p:sp>
         <p:nvSpPr>
-          <p:cNvPr id="185" name="Google Shape;185;p29"/>
+          <p:cNvPr id="186" name="Google Shape;186;p29"/>
           <p:cNvSpPr txBox="1"/>
           <p:nvPr/>
         </p:nvSpPr>
@@ -14572,7 +14612,7 @@
   <p:cSld>
     <p:spTree>
       <p:nvGrpSpPr>
-        <p:cNvPr id="189" name="Shape 189"/>
+        <p:cNvPr id="190" name="Shape 190"/>
         <p:cNvGrpSpPr/>
         <p:nvPr/>
       </p:nvGrpSpPr>
@@ -14586,7 +14626,7 @@
       </p:grpSpPr>
       <p:sp>
         <p:nvSpPr>
-          <p:cNvPr id="190" name="Google Shape;190;p30"/>
+          <p:cNvPr id="191" name="Google Shape;191;p30"/>
           <p:cNvSpPr/>
           <p:nvPr/>
         </p:nvSpPr>
@@ -14637,7 +14677,7 @@
       </p:sp>
       <p:sp>
         <p:nvSpPr>
-          <p:cNvPr id="191" name="Google Shape;191;p30"/>
+          <p:cNvPr id="192" name="Google Shape;192;p30"/>
           <p:cNvSpPr txBox="1"/>
           <p:nvPr/>
         </p:nvSpPr>
@@ -14944,7 +14984,7 @@
       </p:sp>
       <p:sp>
         <p:nvSpPr>
-          <p:cNvPr id="192" name="Google Shape;192;p30"/>
+          <p:cNvPr id="193" name="Google Shape;193;p30"/>
           <p:cNvSpPr/>
           <p:nvPr/>
         </p:nvSpPr>
@@ -14989,7 +15029,7 @@
       </p:sp>
       <p:sp>
         <p:nvSpPr>
-          <p:cNvPr id="193" name="Google Shape;193;p30"/>
+          <p:cNvPr id="194" name="Google Shape;194;p30"/>
           <p:cNvSpPr/>
           <p:nvPr/>
         </p:nvSpPr>
@@ -15034,7 +15074,7 @@
       </p:sp>
       <p:grpSp>
         <p:nvGrpSpPr>
-          <p:cNvPr id="194" name="Google Shape;194;p30"/>
+          <p:cNvPr id="195" name="Google Shape;195;p30"/>
           <p:cNvGrpSpPr/>
           <p:nvPr/>
         </p:nvGrpSpPr>
@@ -15048,7 +15088,7 @@
         </p:grpSpPr>
         <p:sp>
           <p:nvSpPr>
-            <p:cNvPr id="195" name="Google Shape;195;p30"/>
+            <p:cNvPr id="196" name="Google Shape;196;p30"/>
             <p:cNvSpPr txBox="1"/>
             <p:nvPr/>
           </p:nvSpPr>
@@ -15106,7 +15146,7 @@
         </p:sp>
         <p:sp>
           <p:nvSpPr>
-            <p:cNvPr id="196" name="Google Shape;196;p30"/>
+            <p:cNvPr id="197" name="Google Shape;197;p30"/>
             <p:cNvSpPr/>
             <p:nvPr/>
           </p:nvSpPr>
@@ -15150,7 +15190,7 @@
       </p:grpSp>
       <p:grpSp>
         <p:nvGrpSpPr>
-          <p:cNvPr id="197" name="Google Shape;197;p30"/>
+          <p:cNvPr id="198" name="Google Shape;198;p30"/>
           <p:cNvGrpSpPr/>
           <p:nvPr/>
         </p:nvGrpSpPr>
@@ -15164,7 +15204,7 @@
         </p:grpSpPr>
         <p:sp>
           <p:nvSpPr>
-            <p:cNvPr id="198" name="Google Shape;198;p30"/>
+            <p:cNvPr id="199" name="Google Shape;199;p30"/>
             <p:cNvSpPr txBox="1"/>
             <p:nvPr/>
           </p:nvSpPr>
@@ -15245,7 +15285,7 @@
         </p:sp>
         <p:sp>
           <p:nvSpPr>
-            <p:cNvPr id="199" name="Google Shape;199;p30"/>
+            <p:cNvPr id="200" name="Google Shape;200;p30"/>
             <p:cNvSpPr/>
             <p:nvPr/>
           </p:nvSpPr>
@@ -15289,7 +15329,7 @@
       </p:grpSp>
       <p:grpSp>
         <p:nvGrpSpPr>
-          <p:cNvPr id="200" name="Google Shape;200;p30"/>
+          <p:cNvPr id="201" name="Google Shape;201;p30"/>
           <p:cNvGrpSpPr/>
           <p:nvPr/>
         </p:nvGrpSpPr>
@@ -15303,7 +15343,7 @@
         </p:grpSpPr>
         <p:sp>
           <p:nvSpPr>
-            <p:cNvPr id="201" name="Google Shape;201;p30"/>
+            <p:cNvPr id="202" name="Google Shape;202;p30"/>
             <p:cNvSpPr txBox="1"/>
             <p:nvPr/>
           </p:nvSpPr>
@@ -15361,7 +15401,7 @@
         </p:sp>
         <p:sp>
           <p:nvSpPr>
-            <p:cNvPr id="202" name="Google Shape;202;p30"/>
+            <p:cNvPr id="203" name="Google Shape;203;p30"/>
             <p:cNvSpPr/>
             <p:nvPr/>
           </p:nvSpPr>
@@ -15405,7 +15445,7 @@
       </p:grpSp>
       <p:grpSp>
         <p:nvGrpSpPr>
-          <p:cNvPr id="203" name="Google Shape;203;p30"/>
+          <p:cNvPr id="204" name="Google Shape;204;p30"/>
           <p:cNvGrpSpPr/>
           <p:nvPr/>
         </p:nvGrpSpPr>
@@ -15419,7 +15459,7 @@
         </p:grpSpPr>
         <p:sp>
           <p:nvSpPr>
-            <p:cNvPr id="204" name="Google Shape;204;p30"/>
+            <p:cNvPr id="205" name="Google Shape;205;p30"/>
             <p:cNvSpPr txBox="1"/>
             <p:nvPr/>
           </p:nvSpPr>
@@ -15477,7 +15517,7 @@
         </p:sp>
         <p:sp>
           <p:nvSpPr>
-            <p:cNvPr id="205" name="Google Shape;205;p30"/>
+            <p:cNvPr id="206" name="Google Shape;206;p30"/>
             <p:cNvSpPr/>
             <p:nvPr/>
           </p:nvSpPr>
@@ -15521,7 +15561,7 @@
       </p:grpSp>
       <p:sp>
         <p:nvSpPr>
-          <p:cNvPr id="206" name="Google Shape;206;p30"/>
+          <p:cNvPr id="207" name="Google Shape;207;p30"/>
           <p:cNvSpPr txBox="1"/>
           <p:nvPr/>
         </p:nvSpPr>
@@ -15616,7 +15656,7 @@
                                           </p:stCondLst>
                                         </p:cTn>
                                         <p:tgtEl>
-                                          <p:spTgt spid="194"/>
+                                          <p:spTgt spid="195"/>
                                         </p:tgtEl>
                                         <p:attrNameLst>
                                           <p:attrName>style.visibility</p:attrName>
@@ -15630,7 +15670,7 @@
                                       <p:cBhvr>
                                         <p:cTn dur="1000"/>
                                         <p:tgtEl>
-                                          <p:spTgt spid="194"/>
+                                          <p:spTgt spid="195"/>
                                         </p:tgtEl>
                                       </p:cBhvr>
                                     </p:animEffect>
@@ -15669,7 +15709,7 @@
                                           </p:stCondLst>
                                         </p:cTn>
                                         <p:tgtEl>
-                                          <p:spTgt spid="197"/>
+                                          <p:spTgt spid="198"/>
                                         </p:tgtEl>
                                         <p:attrNameLst>
                                           <p:attrName>style.visibility</p:attrName>
@@ -15683,7 +15723,7 @@
                                       <p:cBhvr>
                                         <p:cTn dur="1000"/>
                                         <p:tgtEl>
-                                          <p:spTgt spid="197"/>
+                                          <p:spTgt spid="198"/>
                                         </p:tgtEl>
                                       </p:cBhvr>
                                     </p:animEffect>
@@ -15722,7 +15762,7 @@
                                           </p:stCondLst>
                                         </p:cTn>
                                         <p:tgtEl>
-                                          <p:spTgt spid="200"/>
+                                          <p:spTgt spid="201"/>
                                         </p:tgtEl>
                                         <p:attrNameLst>
                                           <p:attrName>style.visibility</p:attrName>
@@ -15736,7 +15776,7 @@
                                       <p:cBhvr>
                                         <p:cTn dur="1000"/>
                                         <p:tgtEl>
-                                          <p:spTgt spid="200"/>
+                                          <p:spTgt spid="201"/>
                                         </p:tgtEl>
                                       </p:cBhvr>
                                     </p:animEffect>
@@ -15775,7 +15815,7 @@
                                           </p:stCondLst>
                                         </p:cTn>
                                         <p:tgtEl>
-                                          <p:spTgt spid="203"/>
+                                          <p:spTgt spid="204"/>
                                         </p:tgtEl>
                                         <p:attrNameLst>
                                           <p:attrName>style.visibility</p:attrName>
@@ -15789,7 +15829,7 @@
                                       <p:cBhvr>
                                         <p:cTn dur="1000"/>
                                         <p:tgtEl>
-                                          <p:spTgt spid="203"/>
+                                          <p:spTgt spid="204"/>
                                         </p:tgtEl>
                                       </p:cBhvr>
                                     </p:animEffect>
@@ -15832,7 +15872,7 @@
   <p:cSld>
     <p:spTree>
       <p:nvGrpSpPr>
-        <p:cNvPr id="210" name="Shape 210"/>
+        <p:cNvPr id="211" name="Shape 211"/>
         <p:cNvGrpSpPr/>
         <p:nvPr/>
       </p:nvGrpSpPr>
@@ -15846,7 +15886,7 @@
       </p:grpSpPr>
       <p:sp>
         <p:nvSpPr>
-          <p:cNvPr id="211" name="Google Shape;211;p31"/>
+          <p:cNvPr id="212" name="Google Shape;212;p31"/>
           <p:cNvSpPr/>
           <p:nvPr/>
         </p:nvSpPr>
@@ -15897,7 +15937,7 @@
       </p:sp>
       <p:sp>
         <p:nvSpPr>
-          <p:cNvPr id="212" name="Google Shape;212;p31"/>
+          <p:cNvPr id="213" name="Google Shape;213;p31"/>
           <p:cNvSpPr txBox="1"/>
           <p:nvPr/>
         </p:nvSpPr>
@@ -16204,7 +16244,7 @@
       </p:sp>
       <p:sp>
         <p:nvSpPr>
-          <p:cNvPr id="213" name="Google Shape;213;p31"/>
+          <p:cNvPr id="214" name="Google Shape;214;p31"/>
           <p:cNvSpPr/>
           <p:nvPr/>
         </p:nvSpPr>
@@ -16249,7 +16289,7 @@
       </p:sp>
       <p:sp>
         <p:nvSpPr>
-          <p:cNvPr id="214" name="Google Shape;214;p31"/>
+          <p:cNvPr id="215" name="Google Shape;215;p31"/>
           <p:cNvSpPr/>
           <p:nvPr/>
         </p:nvSpPr>
@@ -16294,7 +16334,7 @@
       </p:sp>
       <p:grpSp>
         <p:nvGrpSpPr>
-          <p:cNvPr id="215" name="Google Shape;215;p31"/>
+          <p:cNvPr id="216" name="Google Shape;216;p31"/>
           <p:cNvGrpSpPr/>
           <p:nvPr/>
         </p:nvGrpSpPr>
@@ -16308,7 +16348,7 @@
         </p:grpSpPr>
         <p:sp>
           <p:nvSpPr>
-            <p:cNvPr id="216" name="Google Shape;216;p31"/>
+            <p:cNvPr id="217" name="Google Shape;217;p31"/>
             <p:cNvSpPr txBox="1"/>
             <p:nvPr/>
           </p:nvSpPr>
@@ -16366,7 +16406,7 @@
         </p:sp>
         <p:sp>
           <p:nvSpPr>
-            <p:cNvPr id="217" name="Google Shape;217;p31"/>
+            <p:cNvPr id="218" name="Google Shape;218;p31"/>
             <p:cNvSpPr/>
             <p:nvPr/>
           </p:nvSpPr>
@@ -16410,7 +16450,7 @@
       </p:grpSp>
       <p:grpSp>
         <p:nvGrpSpPr>
-          <p:cNvPr id="218" name="Google Shape;218;p31"/>
+          <p:cNvPr id="219" name="Google Shape;219;p31"/>
           <p:cNvGrpSpPr/>
           <p:nvPr/>
         </p:nvGrpSpPr>
@@ -16424,7 +16464,7 @@
         </p:grpSpPr>
         <p:sp>
           <p:nvSpPr>
-            <p:cNvPr id="219" name="Google Shape;219;p31"/>
+            <p:cNvPr id="220" name="Google Shape;220;p31"/>
             <p:cNvSpPr txBox="1"/>
             <p:nvPr/>
           </p:nvSpPr>
@@ -16482,7 +16522,7 @@
         </p:sp>
         <p:sp>
           <p:nvSpPr>
-            <p:cNvPr id="220" name="Google Shape;220;p31"/>
+            <p:cNvPr id="221" name="Google Shape;221;p31"/>
             <p:cNvSpPr/>
             <p:nvPr/>
           </p:nvSpPr>
@@ -16526,7 +16566,7 @@
       </p:grpSp>
       <p:grpSp>
         <p:nvGrpSpPr>
-          <p:cNvPr id="221" name="Google Shape;221;p31"/>
+          <p:cNvPr id="222" name="Google Shape;222;p31"/>
           <p:cNvGrpSpPr/>
           <p:nvPr/>
         </p:nvGrpSpPr>
@@ -16540,7 +16580,7 @@
         </p:grpSpPr>
         <p:sp>
           <p:nvSpPr>
-            <p:cNvPr id="222" name="Google Shape;222;p31"/>
+            <p:cNvPr id="223" name="Google Shape;223;p31"/>
             <p:cNvSpPr txBox="1"/>
             <p:nvPr/>
           </p:nvSpPr>
@@ -16598,7 +16638,7 @@
         </p:sp>
         <p:sp>
           <p:nvSpPr>
-            <p:cNvPr id="223" name="Google Shape;223;p31"/>
+            <p:cNvPr id="224" name="Google Shape;224;p31"/>
             <p:cNvSpPr/>
             <p:nvPr/>
           </p:nvSpPr>
@@ -16642,7 +16682,7 @@
       </p:grpSp>
       <p:sp>
         <p:nvSpPr>
-          <p:cNvPr id="224" name="Google Shape;224;p31"/>
+          <p:cNvPr id="225" name="Google Shape;225;p31"/>
           <p:cNvSpPr/>
           <p:nvPr/>
         </p:nvSpPr>
@@ -16687,7 +16727,7 @@
       </p:sp>
       <p:grpSp>
         <p:nvGrpSpPr>
-          <p:cNvPr id="225" name="Google Shape;225;p31"/>
+          <p:cNvPr id="226" name="Google Shape;226;p31"/>
           <p:cNvGrpSpPr/>
           <p:nvPr/>
         </p:nvGrpSpPr>
@@ -16701,7 +16741,7 @@
         </p:grpSpPr>
         <p:sp>
           <p:nvSpPr>
-            <p:cNvPr id="226" name="Google Shape;226;p31"/>
+            <p:cNvPr id="227" name="Google Shape;227;p31"/>
             <p:cNvSpPr txBox="1"/>
             <p:nvPr/>
           </p:nvSpPr>
@@ -16759,7 +16799,7 @@
         </p:sp>
         <p:sp>
           <p:nvSpPr>
-            <p:cNvPr id="227" name="Google Shape;227;p31"/>
+            <p:cNvPr id="228" name="Google Shape;228;p31"/>
             <p:cNvSpPr/>
             <p:nvPr/>
           </p:nvSpPr>
@@ -16803,7 +16843,7 @@
       </p:grpSp>
       <p:sp>
         <p:nvSpPr>
-          <p:cNvPr id="228" name="Google Shape;228;p31"/>
+          <p:cNvPr id="229" name="Google Shape;229;p31"/>
           <p:cNvSpPr txBox="1"/>
           <p:nvPr/>
         </p:nvSpPr>
@@ -16898,7 +16938,7 @@
                                           </p:stCondLst>
                                         </p:cTn>
                                         <p:tgtEl>
-                                          <p:spTgt spid="218"/>
+                                          <p:spTgt spid="219"/>
                                         </p:tgtEl>
                                         <p:attrNameLst>
                                           <p:attrName>style.visibility</p:attrName>
@@ -16912,7 +16952,7 @@
                                       <p:cBhvr>
                                         <p:cTn dur="1000"/>
                                         <p:tgtEl>
-                                          <p:spTgt spid="218"/>
+                                          <p:spTgt spid="219"/>
                                         </p:tgtEl>
                                       </p:cBhvr>
                                     </p:animEffect>
@@ -16951,7 +16991,7 @@
                                           </p:stCondLst>
                                         </p:cTn>
                                         <p:tgtEl>
-                                          <p:spTgt spid="221"/>
+                                          <p:spTgt spid="222"/>
                                         </p:tgtEl>
                                         <p:attrNameLst>
                                           <p:attrName>style.visibility</p:attrName>
@@ -16965,7 +17005,7 @@
                                       <p:cBhvr>
                                         <p:cTn dur="1000"/>
                                         <p:tgtEl>
-                                          <p:spTgt spid="221"/>
+                                          <p:spTgt spid="222"/>
                                         </p:tgtEl>
                                       </p:cBhvr>
                                     </p:animEffect>
@@ -17004,7 +17044,7 @@
                                           </p:stCondLst>
                                         </p:cTn>
                                         <p:tgtEl>
-                                          <p:spTgt spid="215"/>
+                                          <p:spTgt spid="216"/>
                                         </p:tgtEl>
                                         <p:attrNameLst>
                                           <p:attrName>style.visibility</p:attrName>
@@ -17018,7 +17058,7 @@
                                       <p:cBhvr>
                                         <p:cTn dur="1000"/>
                                         <p:tgtEl>
-                                          <p:spTgt spid="215"/>
+                                          <p:spTgt spid="216"/>
                                         </p:tgtEl>
                                       </p:cBhvr>
                                     </p:animEffect>
@@ -17057,7 +17097,7 @@
                                           </p:stCondLst>
                                         </p:cTn>
                                         <p:tgtEl>
-                                          <p:spTgt spid="225"/>
+                                          <p:spTgt spid="226"/>
                                         </p:tgtEl>
                                         <p:attrNameLst>
                                           <p:attrName>style.visibility</p:attrName>
@@ -17071,7 +17111,7 @@
                                       <p:cBhvr>
                                         <p:cTn dur="1000"/>
                                         <p:tgtEl>
-                                          <p:spTgt spid="225"/>
+                                          <p:spTgt spid="226"/>
                                         </p:tgtEl>
                                       </p:cBhvr>
                                     </p:animEffect>
@@ -17114,7 +17154,7 @@
   <p:cSld>
     <p:spTree>
       <p:nvGrpSpPr>
-        <p:cNvPr id="64" name="Shape 64"/>
+        <p:cNvPr id="65" name="Shape 65"/>
         <p:cNvGrpSpPr/>
         <p:nvPr/>
       </p:nvGrpSpPr>
@@ -17128,7 +17168,7 @@
       </p:grpSpPr>
       <p:sp>
         <p:nvSpPr>
-          <p:cNvPr id="65" name="Google Shape;65;p14"/>
+          <p:cNvPr id="66" name="Google Shape;66;p14"/>
           <p:cNvSpPr txBox="1"/>
           <p:nvPr>
             <p:ph type="title"/>
@@ -17176,7 +17216,7 @@
       </p:sp>
       <p:sp>
         <p:nvSpPr>
-          <p:cNvPr id="66" name="Google Shape;66;p14"/>
+          <p:cNvPr id="67" name="Google Shape;67;p14"/>
           <p:cNvSpPr txBox="1"/>
           <p:nvPr>
             <p:ph idx="1" type="body"/>
@@ -17243,7 +17283,7 @@
   <p:cSld>
     <p:spTree>
       <p:nvGrpSpPr>
-        <p:cNvPr id="232" name="Shape 232"/>
+        <p:cNvPr id="233" name="Shape 233"/>
         <p:cNvGrpSpPr/>
         <p:nvPr/>
       </p:nvGrpSpPr>
@@ -17257,7 +17297,7 @@
       </p:grpSpPr>
       <p:sp>
         <p:nvSpPr>
-          <p:cNvPr id="233" name="Google Shape;233;p32"/>
+          <p:cNvPr id="234" name="Google Shape;234;p32"/>
           <p:cNvSpPr/>
           <p:nvPr/>
         </p:nvSpPr>
@@ -17308,7 +17348,7 @@
       </p:sp>
       <p:sp>
         <p:nvSpPr>
-          <p:cNvPr id="234" name="Google Shape;234;p32"/>
+          <p:cNvPr id="235" name="Google Shape;235;p32"/>
           <p:cNvSpPr txBox="1"/>
           <p:nvPr/>
         </p:nvSpPr>
@@ -17716,7 +17756,7 @@
       </p:sp>
       <p:sp>
         <p:nvSpPr>
-          <p:cNvPr id="235" name="Google Shape;235;p32"/>
+          <p:cNvPr id="236" name="Google Shape;236;p32"/>
           <p:cNvSpPr txBox="1"/>
           <p:nvPr/>
         </p:nvSpPr>
@@ -17785,7 +17825,7 @@
   <p:cSld>
     <p:spTree>
       <p:nvGrpSpPr>
-        <p:cNvPr id="239" name="Shape 239"/>
+        <p:cNvPr id="240" name="Shape 240"/>
         <p:cNvGrpSpPr/>
         <p:nvPr/>
       </p:nvGrpSpPr>
@@ -17799,7 +17839,7 @@
       </p:grpSpPr>
       <p:sp>
         <p:nvSpPr>
-          <p:cNvPr id="240" name="Google Shape;240;p33"/>
+          <p:cNvPr id="241" name="Google Shape;241;p33"/>
           <p:cNvSpPr/>
           <p:nvPr/>
         </p:nvSpPr>
@@ -17850,7 +17890,7 @@
       </p:sp>
       <p:sp>
         <p:nvSpPr>
-          <p:cNvPr id="241" name="Google Shape;241;p33"/>
+          <p:cNvPr id="242" name="Google Shape;242;p33"/>
           <p:cNvSpPr txBox="1"/>
           <p:nvPr/>
         </p:nvSpPr>
@@ -18230,7 +18270,7 @@
       </p:sp>
       <p:sp>
         <p:nvSpPr>
-          <p:cNvPr id="242" name="Google Shape;242;p33"/>
+          <p:cNvPr id="243" name="Google Shape;243;p33"/>
           <p:cNvSpPr txBox="1"/>
           <p:nvPr/>
         </p:nvSpPr>
@@ -18288,7 +18328,7 @@
       </p:sp>
       <p:sp>
         <p:nvSpPr>
-          <p:cNvPr id="243" name="Google Shape;243;p33"/>
+          <p:cNvPr id="244" name="Google Shape;244;p33"/>
           <p:cNvSpPr/>
           <p:nvPr/>
         </p:nvSpPr>
@@ -18339,7 +18379,7 @@
       </p:sp>
       <p:sp>
         <p:nvSpPr>
-          <p:cNvPr id="244" name="Google Shape;244;p33"/>
+          <p:cNvPr id="245" name="Google Shape;245;p33"/>
           <p:cNvSpPr/>
           <p:nvPr/>
         </p:nvSpPr>
@@ -18426,7 +18466,7 @@
                                       <p:cBhvr>
                                         <p:cTn dur="1000"/>
                                         <p:tgtEl>
-                                          <p:spTgt spid="244"/>
+                                          <p:spTgt spid="245"/>
                                         </p:tgtEl>
                                       </p:cBhvr>
                                     </p:animEffect>
@@ -18438,7 +18478,7 @@
                                           </p:stCondLst>
                                         </p:cTn>
                                         <p:tgtEl>
-                                          <p:spTgt spid="244"/>
+                                          <p:spTgt spid="245"/>
                                         </p:tgtEl>
                                         <p:attrNameLst>
                                           <p:attrName>style.visibility</p:attrName>
@@ -18461,7 +18501,7 @@
                                       <p:cBhvr>
                                         <p:cTn dur="1000"/>
                                         <p:tgtEl>
-                                          <p:spTgt spid="243"/>
+                                          <p:spTgt spid="244"/>
                                         </p:tgtEl>
                                       </p:cBhvr>
                                     </p:animEffect>
@@ -18473,7 +18513,7 @@
                                           </p:stCondLst>
                                         </p:cTn>
                                         <p:tgtEl>
-                                          <p:spTgt spid="243"/>
+                                          <p:spTgt spid="244"/>
                                         </p:tgtEl>
                                         <p:attrNameLst>
                                           <p:attrName>style.visibility</p:attrName>
@@ -18522,7 +18562,7 @@
   <p:cSld>
     <p:spTree>
       <p:nvGrpSpPr>
-        <p:cNvPr id="248" name="Shape 248"/>
+        <p:cNvPr id="249" name="Shape 249"/>
         <p:cNvGrpSpPr/>
         <p:nvPr/>
       </p:nvGrpSpPr>
@@ -18536,7 +18576,7 @@
       </p:grpSpPr>
       <p:sp>
         <p:nvSpPr>
-          <p:cNvPr id="249" name="Google Shape;249;p34"/>
+          <p:cNvPr id="250" name="Google Shape;250;p34"/>
           <p:cNvSpPr/>
           <p:nvPr/>
         </p:nvSpPr>
@@ -18587,7 +18627,7 @@
       </p:sp>
       <p:sp>
         <p:nvSpPr>
-          <p:cNvPr id="250" name="Google Shape;250;p34"/>
+          <p:cNvPr id="251" name="Google Shape;251;p34"/>
           <p:cNvSpPr txBox="1"/>
           <p:nvPr/>
         </p:nvSpPr>
@@ -19109,7 +19149,7 @@
       </p:sp>
       <p:sp>
         <p:nvSpPr>
-          <p:cNvPr id="251" name="Google Shape;251;p34"/>
+          <p:cNvPr id="252" name="Google Shape;252;p34"/>
           <p:cNvSpPr txBox="1"/>
           <p:nvPr/>
         </p:nvSpPr>
@@ -19167,7 +19207,7 @@
       </p:sp>
       <p:sp>
         <p:nvSpPr>
-          <p:cNvPr id="252" name="Google Shape;252;p34"/>
+          <p:cNvPr id="253" name="Google Shape;253;p34"/>
           <p:cNvSpPr/>
           <p:nvPr/>
         </p:nvSpPr>
@@ -19218,7 +19258,7 @@
       </p:sp>
       <p:sp>
         <p:nvSpPr>
-          <p:cNvPr id="253" name="Google Shape;253;p34"/>
+          <p:cNvPr id="254" name="Google Shape;254;p34"/>
           <p:cNvSpPr/>
           <p:nvPr/>
         </p:nvSpPr>
@@ -19305,7 +19345,7 @@
                                       <p:cBhvr>
                                         <p:cTn dur="1000"/>
                                         <p:tgtEl>
-                                          <p:spTgt spid="253"/>
+                                          <p:spTgt spid="254"/>
                                         </p:tgtEl>
                                       </p:cBhvr>
                                     </p:animEffect>
@@ -19317,7 +19357,7 @@
                                           </p:stCondLst>
                                         </p:cTn>
                                         <p:tgtEl>
-                                          <p:spTgt spid="253"/>
+                                          <p:spTgt spid="254"/>
                                         </p:tgtEl>
                                         <p:attrNameLst>
                                           <p:attrName>style.visibility</p:attrName>
@@ -19340,7 +19380,7 @@
                                       <p:cBhvr>
                                         <p:cTn dur="1000"/>
                                         <p:tgtEl>
-                                          <p:spTgt spid="252"/>
+                                          <p:spTgt spid="253"/>
                                         </p:tgtEl>
                                       </p:cBhvr>
                                     </p:animEffect>
@@ -19352,7 +19392,7 @@
                                           </p:stCondLst>
                                         </p:cTn>
                                         <p:tgtEl>
-                                          <p:spTgt spid="252"/>
+                                          <p:spTgt spid="253"/>
                                         </p:tgtEl>
                                         <p:attrNameLst>
                                           <p:attrName>style.visibility</p:attrName>
@@ -19401,7 +19441,7 @@
   <p:cSld>
     <p:spTree>
       <p:nvGrpSpPr>
-        <p:cNvPr id="257" name="Shape 257"/>
+        <p:cNvPr id="258" name="Shape 258"/>
         <p:cNvGrpSpPr/>
         <p:nvPr/>
       </p:nvGrpSpPr>
@@ -19415,7 +19455,7 @@
       </p:grpSpPr>
       <p:sp>
         <p:nvSpPr>
-          <p:cNvPr id="258" name="Google Shape;258;p35"/>
+          <p:cNvPr id="259" name="Google Shape;259;p35"/>
           <p:cNvSpPr txBox="1"/>
           <p:nvPr>
             <p:ph type="title"/>
@@ -19455,7 +19495,7 @@
       </p:sp>
       <p:sp>
         <p:nvSpPr>
-          <p:cNvPr id="259" name="Google Shape;259;p35"/>
+          <p:cNvPr id="260" name="Google Shape;260;p35"/>
           <p:cNvSpPr txBox="1"/>
           <p:nvPr>
             <p:ph idx="1" type="body"/>
@@ -19809,7 +19849,7 @@
   <p:cSld>
     <p:spTree>
       <p:nvGrpSpPr>
-        <p:cNvPr id="263" name="Shape 263"/>
+        <p:cNvPr id="264" name="Shape 264"/>
         <p:cNvGrpSpPr/>
         <p:nvPr/>
       </p:nvGrpSpPr>
@@ -19823,7 +19863,7 @@
       </p:grpSpPr>
       <p:sp>
         <p:nvSpPr>
-          <p:cNvPr id="264" name="Google Shape;264;p36"/>
+          <p:cNvPr id="265" name="Google Shape;265;p36"/>
           <p:cNvSpPr/>
           <p:nvPr/>
         </p:nvSpPr>
@@ -19871,7 +19911,7 @@
       </p:sp>
       <p:sp>
         <p:nvSpPr>
-          <p:cNvPr id="265" name="Google Shape;265;p36"/>
+          <p:cNvPr id="266" name="Google Shape;266;p36"/>
           <p:cNvSpPr/>
           <p:nvPr/>
         </p:nvSpPr>
@@ -19924,7 +19964,7 @@
       </p:sp>
       <p:sp>
         <p:nvSpPr>
-          <p:cNvPr id="266" name="Google Shape;266;p36"/>
+          <p:cNvPr id="267" name="Google Shape;267;p36"/>
           <p:cNvSpPr txBox="1"/>
           <p:nvPr>
             <p:ph idx="1" type="body"/>
@@ -20085,7 +20125,7 @@
       </p:sp>
       <p:sp>
         <p:nvSpPr>
-          <p:cNvPr id="267" name="Google Shape;267;p36"/>
+          <p:cNvPr id="268" name="Google Shape;268;p36"/>
           <p:cNvSpPr txBox="1"/>
           <p:nvPr>
             <p:ph type="title"/>
@@ -20125,7 +20165,7 @@
       </p:sp>
       <p:sp>
         <p:nvSpPr>
-          <p:cNvPr id="268" name="Google Shape;268;p36"/>
+          <p:cNvPr id="269" name="Google Shape;269;p36"/>
           <p:cNvSpPr txBox="1"/>
           <p:nvPr/>
         </p:nvSpPr>
@@ -20183,7 +20223,7 @@
       </p:sp>
       <p:sp>
         <p:nvSpPr>
-          <p:cNvPr id="269" name="Google Shape;269;p36"/>
+          <p:cNvPr id="270" name="Google Shape;270;p36"/>
           <p:cNvSpPr txBox="1"/>
           <p:nvPr/>
         </p:nvSpPr>
@@ -20252,103 +20292,6 @@
             <p:seq concurrent="1" nextAc="seek">
               <p:cTn dur="indefinite" id="2" nodeType="mainSeq">
                 <p:childTnLst>
-                  <p:par>
-                    <p:cTn fill="hold">
-                      <p:stCondLst>
-                        <p:cond delay="indefinite"/>
-                      </p:stCondLst>
-                      <p:childTnLst>
-                        <p:par>
-                          <p:cTn fill="hold">
-                            <p:stCondLst>
-                              <p:cond delay="0"/>
-                            </p:stCondLst>
-                            <p:childTnLst>
-                              <p:par>
-                                <p:cTn fill="hold" nodeType="clickEffect" presetClass="entr" presetID="10" presetSubtype="0">
-                                  <p:stCondLst>
-                                    <p:cond delay="0"/>
-                                  </p:stCondLst>
-                                  <p:childTnLst>
-                                    <p:set>
-                                      <p:cBhvr>
-                                        <p:cTn dur="1" fill="hold">
-                                          <p:stCondLst>
-                                            <p:cond delay="0"/>
-                                          </p:stCondLst>
-                                        </p:cTn>
-                                        <p:tgtEl>
-                                          <p:spTgt spid="264"/>
-                                        </p:tgtEl>
-                                        <p:attrNameLst>
-                                          <p:attrName>style.visibility</p:attrName>
-                                        </p:attrNameLst>
-                                      </p:cBhvr>
-                                      <p:to>
-                                        <p:strVal val="visible"/>
-                                      </p:to>
-                                    </p:set>
-                                    <p:animEffect filter="fade" transition="in">
-                                      <p:cBhvr>
-                                        <p:cTn dur="1000"/>
-                                        <p:tgtEl>
-                                          <p:spTgt spid="264"/>
-                                        </p:tgtEl>
-                                      </p:cBhvr>
-                                    </p:animEffect>
-                                  </p:childTnLst>
-                                </p:cTn>
-                              </p:par>
-                            </p:childTnLst>
-                          </p:cTn>
-                        </p:par>
-                        <p:par>
-                          <p:cTn fill="hold">
-                            <p:stCondLst>
-                              <p:cond delay="1000"/>
-                            </p:stCondLst>
-                            <p:childTnLst>
-                              <p:par>
-                                <p:cTn fill="hold" nodeType="afterEffect" presetClass="entr" presetID="10" presetSubtype="0">
-                                  <p:stCondLst>
-                                    <p:cond delay="0"/>
-                                  </p:stCondLst>
-                                  <p:childTnLst>
-                                    <p:set>
-                                      <p:cBhvr>
-                                        <p:cTn dur="1" fill="hold">
-                                          <p:stCondLst>
-                                            <p:cond delay="0"/>
-                                          </p:stCondLst>
-                                        </p:cTn>
-                                        <p:tgtEl>
-                                          <p:spTgt spid="268"/>
-                                        </p:tgtEl>
-                                        <p:attrNameLst>
-                                          <p:attrName>style.visibility</p:attrName>
-                                        </p:attrNameLst>
-                                      </p:cBhvr>
-                                      <p:to>
-                                        <p:strVal val="visible"/>
-                                      </p:to>
-                                    </p:set>
-                                    <p:animEffect filter="fade" transition="in">
-                                      <p:cBhvr>
-                                        <p:cTn dur="1000"/>
-                                        <p:tgtEl>
-                                          <p:spTgt spid="268"/>
-                                        </p:tgtEl>
-                                      </p:cBhvr>
-                                    </p:animEffect>
-                                  </p:childTnLst>
-                                </p:cTn>
-                              </p:par>
-                            </p:childTnLst>
-                          </p:cTn>
-                        </p:par>
-                      </p:childTnLst>
-                    </p:cTn>
-                  </p:par>
                   <p:par>
                     <p:cTn fill="hold">
                       <p:stCondLst>
@@ -20446,6 +20389,103 @@
                       </p:childTnLst>
                     </p:cTn>
                   </p:par>
+                  <p:par>
+                    <p:cTn fill="hold">
+                      <p:stCondLst>
+                        <p:cond delay="indefinite"/>
+                      </p:stCondLst>
+                      <p:childTnLst>
+                        <p:par>
+                          <p:cTn fill="hold">
+                            <p:stCondLst>
+                              <p:cond delay="0"/>
+                            </p:stCondLst>
+                            <p:childTnLst>
+                              <p:par>
+                                <p:cTn fill="hold" nodeType="clickEffect" presetClass="entr" presetID="10" presetSubtype="0">
+                                  <p:stCondLst>
+                                    <p:cond delay="0"/>
+                                  </p:stCondLst>
+                                  <p:childTnLst>
+                                    <p:set>
+                                      <p:cBhvr>
+                                        <p:cTn dur="1" fill="hold">
+                                          <p:stCondLst>
+                                            <p:cond delay="0"/>
+                                          </p:stCondLst>
+                                        </p:cTn>
+                                        <p:tgtEl>
+                                          <p:spTgt spid="266"/>
+                                        </p:tgtEl>
+                                        <p:attrNameLst>
+                                          <p:attrName>style.visibility</p:attrName>
+                                        </p:attrNameLst>
+                                      </p:cBhvr>
+                                      <p:to>
+                                        <p:strVal val="visible"/>
+                                      </p:to>
+                                    </p:set>
+                                    <p:animEffect filter="fade" transition="in">
+                                      <p:cBhvr>
+                                        <p:cTn dur="1000"/>
+                                        <p:tgtEl>
+                                          <p:spTgt spid="266"/>
+                                        </p:tgtEl>
+                                      </p:cBhvr>
+                                    </p:animEffect>
+                                  </p:childTnLst>
+                                </p:cTn>
+                              </p:par>
+                            </p:childTnLst>
+                          </p:cTn>
+                        </p:par>
+                        <p:par>
+                          <p:cTn fill="hold">
+                            <p:stCondLst>
+                              <p:cond delay="1000"/>
+                            </p:stCondLst>
+                            <p:childTnLst>
+                              <p:par>
+                                <p:cTn fill="hold" nodeType="afterEffect" presetClass="entr" presetID="10" presetSubtype="0">
+                                  <p:stCondLst>
+                                    <p:cond delay="0"/>
+                                  </p:stCondLst>
+                                  <p:childTnLst>
+                                    <p:set>
+                                      <p:cBhvr>
+                                        <p:cTn dur="1" fill="hold">
+                                          <p:stCondLst>
+                                            <p:cond delay="0"/>
+                                          </p:stCondLst>
+                                        </p:cTn>
+                                        <p:tgtEl>
+                                          <p:spTgt spid="270"/>
+                                        </p:tgtEl>
+                                        <p:attrNameLst>
+                                          <p:attrName>style.visibility</p:attrName>
+                                        </p:attrNameLst>
+                                      </p:cBhvr>
+                                      <p:to>
+                                        <p:strVal val="visible"/>
+                                      </p:to>
+                                    </p:set>
+                                    <p:animEffect filter="fade" transition="in">
+                                      <p:cBhvr>
+                                        <p:cTn dur="1000"/>
+                                        <p:tgtEl>
+                                          <p:spTgt spid="270"/>
+                                        </p:tgtEl>
+                                      </p:cBhvr>
+                                    </p:animEffect>
+                                  </p:childTnLst>
+                                </p:cTn>
+                              </p:par>
+                            </p:childTnLst>
+                          </p:cTn>
+                        </p:par>
+                      </p:childTnLst>
+                    </p:cTn>
+                  </p:par>
                 </p:childTnLst>
               </p:cTn>
               <p:prevCondLst>
@@ -20476,7 +20516,7 @@
   <p:cSld>
     <p:spTree>
       <p:nvGrpSpPr>
-        <p:cNvPr id="273" name="Shape 273"/>
+        <p:cNvPr id="274" name="Shape 274"/>
         <p:cNvGrpSpPr/>
         <p:nvPr/>
       </p:nvGrpSpPr>
@@ -20490,7 +20530,7 @@
       </p:grpSpPr>
       <p:sp>
         <p:nvSpPr>
-          <p:cNvPr id="274" name="Google Shape;274;p37"/>
+          <p:cNvPr id="275" name="Google Shape;275;p37"/>
           <p:cNvSpPr/>
           <p:nvPr/>
         </p:nvSpPr>
@@ -20538,7 +20578,7 @@
       </p:sp>
       <p:sp>
         <p:nvSpPr>
-          <p:cNvPr id="275" name="Google Shape;275;p37"/>
+          <p:cNvPr id="276" name="Google Shape;276;p37"/>
           <p:cNvSpPr/>
           <p:nvPr/>
         </p:nvSpPr>
@@ -20591,7 +20631,7 @@
       </p:sp>
       <p:sp>
         <p:nvSpPr>
-          <p:cNvPr id="276" name="Google Shape;276;p37"/>
+          <p:cNvPr id="277" name="Google Shape;277;p37"/>
           <p:cNvSpPr txBox="1"/>
           <p:nvPr>
             <p:ph idx="1" type="body"/>
@@ -20746,7 +20786,7 @@
       </p:sp>
       <p:sp>
         <p:nvSpPr>
-          <p:cNvPr id="277" name="Google Shape;277;p37"/>
+          <p:cNvPr id="278" name="Google Shape;278;p37"/>
           <p:cNvSpPr txBox="1"/>
           <p:nvPr/>
         </p:nvSpPr>
@@ -20804,7 +20844,7 @@
       </p:sp>
       <p:sp>
         <p:nvSpPr>
-          <p:cNvPr id="278" name="Google Shape;278;p37"/>
+          <p:cNvPr id="279" name="Google Shape;279;p37"/>
           <p:cNvSpPr txBox="1"/>
           <p:nvPr/>
         </p:nvSpPr>
@@ -20862,7 +20902,7 @@
       </p:sp>
       <p:sp>
         <p:nvSpPr>
-          <p:cNvPr id="279" name="Google Shape;279;p37"/>
+          <p:cNvPr id="280" name="Google Shape;280;p37"/>
           <p:cNvSpPr txBox="1"/>
           <p:nvPr/>
         </p:nvSpPr>
@@ -20931,7 +20971,7 @@
   <p:cSld>
     <p:spTree>
       <p:nvGrpSpPr>
-        <p:cNvPr id="283" name="Shape 283"/>
+        <p:cNvPr id="284" name="Shape 284"/>
         <p:cNvGrpSpPr/>
         <p:nvPr/>
       </p:nvGrpSpPr>
@@ -20945,7 +20985,7 @@
       </p:grpSpPr>
       <p:sp>
         <p:nvSpPr>
-          <p:cNvPr id="284" name="Google Shape;284;p38"/>
+          <p:cNvPr id="285" name="Google Shape;285;p38"/>
           <p:cNvSpPr/>
           <p:nvPr/>
         </p:nvSpPr>
@@ -20996,7 +21036,7 @@
       </p:sp>
       <p:sp>
         <p:nvSpPr>
-          <p:cNvPr id="285" name="Google Shape;285;p38"/>
+          <p:cNvPr id="286" name="Google Shape;286;p38"/>
           <p:cNvSpPr txBox="1"/>
           <p:nvPr>
             <p:ph idx="1" type="body"/>
@@ -21087,7 +21127,7 @@
       </p:sp>
       <p:sp>
         <p:nvSpPr>
-          <p:cNvPr id="286" name="Google Shape;286;p38"/>
+          <p:cNvPr id="287" name="Google Shape;287;p38"/>
           <p:cNvSpPr txBox="1"/>
           <p:nvPr/>
         </p:nvSpPr>
@@ -21145,7 +21185,7 @@
       </p:sp>
       <p:sp>
         <p:nvSpPr>
-          <p:cNvPr id="287" name="Google Shape;287;p38"/>
+          <p:cNvPr id="288" name="Google Shape;288;p38"/>
           <p:cNvSpPr txBox="1"/>
           <p:nvPr/>
         </p:nvSpPr>
@@ -21210,7 +21250,7 @@
       </p:sp>
       <p:sp>
         <p:nvSpPr>
-          <p:cNvPr id="288" name="Google Shape;288;p38"/>
+          <p:cNvPr id="289" name="Google Shape;289;p38"/>
           <p:cNvSpPr/>
           <p:nvPr/>
         </p:nvSpPr>
@@ -21258,7 +21298,7 @@
       </p:sp>
       <p:cxnSp>
         <p:nvCxnSpPr>
-          <p:cNvPr id="289" name="Google Shape;289;p38"/>
+          <p:cNvPr id="290" name="Google Shape;290;p38"/>
           <p:cNvCxnSpPr/>
           <p:nvPr/>
         </p:nvCxnSpPr>
@@ -21284,7 +21324,7 @@
       </p:cxnSp>
       <p:sp>
         <p:nvSpPr>
-          <p:cNvPr id="290" name="Google Shape;290;p38"/>
+          <p:cNvPr id="291" name="Google Shape;291;p38"/>
           <p:cNvSpPr txBox="1"/>
           <p:nvPr/>
         </p:nvSpPr>
@@ -21342,7 +21382,7 @@
       </p:sp>
       <p:sp>
         <p:nvSpPr>
-          <p:cNvPr id="291" name="Google Shape;291;p38"/>
+          <p:cNvPr id="292" name="Google Shape;292;p38"/>
           <p:cNvSpPr txBox="1"/>
           <p:nvPr/>
         </p:nvSpPr>
@@ -21400,7 +21440,7 @@
       </p:sp>
       <p:sp>
         <p:nvSpPr>
-          <p:cNvPr id="292" name="Google Shape;292;p38"/>
+          <p:cNvPr id="293" name="Google Shape;293;p38"/>
           <p:cNvSpPr txBox="1"/>
           <p:nvPr/>
         </p:nvSpPr>
@@ -21470,7 +21510,7 @@
       </p:sp>
       <p:sp>
         <p:nvSpPr>
-          <p:cNvPr id="293" name="Google Shape;293;p38"/>
+          <p:cNvPr id="294" name="Google Shape;294;p38"/>
           <p:cNvSpPr txBox="1"/>
           <p:nvPr/>
         </p:nvSpPr>
@@ -21528,7 +21568,7 @@
       </p:sp>
       <p:sp>
         <p:nvSpPr>
-          <p:cNvPr id="294" name="Google Shape;294;p38"/>
+          <p:cNvPr id="295" name="Google Shape;295;p38"/>
           <p:cNvSpPr txBox="1"/>
           <p:nvPr/>
         </p:nvSpPr>
@@ -21597,103 +21637,6 @@
             <p:seq concurrent="1" nextAc="seek">
               <p:cTn dur="indefinite" id="2" nodeType="mainSeq">
                 <p:childTnLst>
-                  <p:par>
-                    <p:cTn fill="hold">
-                      <p:stCondLst>
-                        <p:cond delay="indefinite"/>
-                      </p:stCondLst>
-                      <p:childTnLst>
-                        <p:par>
-                          <p:cTn fill="hold">
-                            <p:stCondLst>
-                              <p:cond delay="0"/>
-                            </p:stCondLst>
-                            <p:childTnLst>
-                              <p:par>
-                                <p:cTn fill="hold" nodeType="clickEffect" presetClass="entr" presetID="10" presetSubtype="0">
-                                  <p:stCondLst>
-                                    <p:cond delay="0"/>
-                                  </p:stCondLst>
-                                  <p:childTnLst>
-                                    <p:set>
-                                      <p:cBhvr>
-                                        <p:cTn dur="1" fill="hold">
-                                          <p:stCondLst>
-                                            <p:cond delay="0"/>
-                                          </p:stCondLst>
-                                        </p:cTn>
-                                        <p:tgtEl>
-                                          <p:spTgt spid="288"/>
-                                        </p:tgtEl>
-                                        <p:attrNameLst>
-                                          <p:attrName>style.visibility</p:attrName>
-                                        </p:attrNameLst>
-                                      </p:cBhvr>
-                                      <p:to>
-                                        <p:strVal val="visible"/>
-                                      </p:to>
-                                    </p:set>
-                                    <p:animEffect filter="fade" transition="in">
-                                      <p:cBhvr>
-                                        <p:cTn dur="1000"/>
-                                        <p:tgtEl>
-                                          <p:spTgt spid="288"/>
-                                        </p:tgtEl>
-                                      </p:cBhvr>
-                                    </p:animEffect>
-                                  </p:childTnLst>
-                                </p:cTn>
-                              </p:par>
-                            </p:childTnLst>
-                          </p:cTn>
-                        </p:par>
-                        <p:par>
-                          <p:cTn fill="hold">
-                            <p:stCondLst>
-                              <p:cond delay="1000"/>
-                            </p:stCondLst>
-                            <p:childTnLst>
-                              <p:par>
-                                <p:cTn fill="hold" nodeType="afterEffect" presetClass="entr" presetID="10" presetSubtype="0">
-                                  <p:stCondLst>
-                                    <p:cond delay="0"/>
-                                  </p:stCondLst>
-                                  <p:childTnLst>
-                                    <p:set>
-                                      <p:cBhvr>
-                                        <p:cTn dur="1" fill="hold">
-                                          <p:stCondLst>
-                                            <p:cond delay="0"/>
-                                          </p:stCondLst>
-                                        </p:cTn>
-                                        <p:tgtEl>
-                                          <p:spTgt spid="287"/>
-                                        </p:tgtEl>
-                                        <p:attrNameLst>
-                                          <p:attrName>style.visibility</p:attrName>
-                                        </p:attrNameLst>
-                                      </p:cBhvr>
-                                      <p:to>
-                                        <p:strVal val="visible"/>
-                                      </p:to>
-                                    </p:set>
-                                    <p:animEffect filter="fade" transition="in">
-                                      <p:cBhvr>
-                                        <p:cTn dur="1000"/>
-                                        <p:tgtEl>
-                                          <p:spTgt spid="287"/>
-                                        </p:tgtEl>
-                                      </p:cBhvr>
-                                    </p:animEffect>
-                                  </p:childTnLst>
-                                </p:cTn>
-                              </p:par>
-                            </p:childTnLst>
-                          </p:cTn>
-                        </p:par>
-                      </p:childTnLst>
-                    </p:cTn>
-                  </p:par>
                   <p:par>
                     <p:cTn fill="hold">
                       <p:stCondLst>
@@ -21741,8 +21684,70 @@
                                   </p:childTnLst>
                                 </p:cTn>
                               </p:par>
+                            </p:childTnLst>
+                          </p:cTn>
+                        </p:par>
+                        <p:par>
+                          <p:cTn fill="hold">
+                            <p:stCondLst>
+                              <p:cond delay="1000"/>
+                            </p:stCondLst>
+                            <p:childTnLst>
                               <p:par>
-                                <p:cTn fill="hold" nodeType="withEffect" presetClass="entr" presetID="10" presetSubtype="0">
+                                <p:cTn fill="hold" nodeType="afterEffect" presetClass="entr" presetID="10" presetSubtype="0">
+                                  <p:stCondLst>
+                                    <p:cond delay="0"/>
+                                  </p:stCondLst>
+                                  <p:childTnLst>
+                                    <p:set>
+                                      <p:cBhvr>
+                                        <p:cTn dur="1" fill="hold">
+                                          <p:stCondLst>
+                                            <p:cond delay="0"/>
+                                          </p:stCondLst>
+                                        </p:cTn>
+                                        <p:tgtEl>
+                                          <p:spTgt spid="288"/>
+                                        </p:tgtEl>
+                                        <p:attrNameLst>
+                                          <p:attrName>style.visibility</p:attrName>
+                                        </p:attrNameLst>
+                                      </p:cBhvr>
+                                      <p:to>
+                                        <p:strVal val="visible"/>
+                                      </p:to>
+                                    </p:set>
+                                    <p:animEffect filter="fade" transition="in">
+                                      <p:cBhvr>
+                                        <p:cTn dur="1000"/>
+                                        <p:tgtEl>
+                                          <p:spTgt spid="288"/>
+                                        </p:tgtEl>
+                                      </p:cBhvr>
+                                    </p:animEffect>
+                                  </p:childTnLst>
+                                </p:cTn>
+                              </p:par>
+                            </p:childTnLst>
+                          </p:cTn>
+                        </p:par>
+                      </p:childTnLst>
+                    </p:cTn>
+                  </p:par>
+                  <p:par>
+                    <p:cTn fill="hold">
+                      <p:stCondLst>
+                        <p:cond delay="indefinite"/>
+                      </p:stCondLst>
+                      <p:childTnLst>
+                        <p:par>
+                          <p:cTn fill="hold">
+                            <p:stCondLst>
+                              <p:cond delay="0"/>
+                            </p:stCondLst>
+                            <p:childTnLst>
+                              <p:par>
+                                <p:cTn fill="hold" nodeType="clickEffect" presetClass="entr" presetID="10" presetSubtype="0">
                                   <p:stCondLst>
                                     <p:cond delay="0"/>
                                   </p:stCondLst>
@@ -21776,26 +21781,8 @@
                                   </p:childTnLst>
                                 </p:cTn>
                               </p:par>
-                            </p:childTnLst>
-                          </p:cTn>
-                        </p:par>
-                      </p:childTnLst>
-                    </p:cTn>
-                  </p:par>
-                  <p:par>
-                    <p:cTn fill="hold">
-                      <p:stCondLst>
-                        <p:cond delay="indefinite"/>
-                      </p:stCondLst>
-                      <p:childTnLst>
-                        <p:par>
-                          <p:cTn fill="hold">
-                            <p:stCondLst>
-                              <p:cond delay="0"/>
-                            </p:stCondLst>
-                            <p:childTnLst>
                               <p:par>
-                                <p:cTn fill="hold" nodeType="clickEffect" presetClass="entr" presetID="10" presetSubtype="0">
+                                <p:cTn fill="hold" nodeType="withEffect" presetClass="entr" presetID="10" presetSubtype="0">
                                   <p:stCondLst>
                                     <p:cond delay="0"/>
                                   </p:stCondLst>
@@ -21988,6 +21975,59 @@
                                   </p:childTnLst>
                                 </p:cTn>
                               </p:par>
+                            </p:childTnLst>
+                          </p:cTn>
+                        </p:par>
+                      </p:childTnLst>
+                    </p:cTn>
+                  </p:par>
+                  <p:par>
+                    <p:cTn fill="hold">
+                      <p:stCondLst>
+                        <p:cond delay="indefinite"/>
+                      </p:stCondLst>
+                      <p:childTnLst>
+                        <p:par>
+                          <p:cTn fill="hold">
+                            <p:stCondLst>
+                              <p:cond delay="0"/>
+                            </p:stCondLst>
+                            <p:childTnLst>
+                              <p:par>
+                                <p:cTn fill="hold" nodeType="clickEffect" presetClass="entr" presetID="10" presetSubtype="0">
+                                  <p:stCondLst>
+                                    <p:cond delay="0"/>
+                                  </p:stCondLst>
+                                  <p:childTnLst>
+                                    <p:set>
+                                      <p:cBhvr>
+                                        <p:cTn dur="1" fill="hold">
+                                          <p:stCondLst>
+                                            <p:cond delay="0"/>
+                                          </p:stCondLst>
+                                        </p:cTn>
+                                        <p:tgtEl>
+                                          <p:spTgt spid="295"/>
+                                        </p:tgtEl>
+                                        <p:attrNameLst>
+                                          <p:attrName>style.visibility</p:attrName>
+                                        </p:attrNameLst>
+                                      </p:cBhvr>
+                                      <p:to>
+                                        <p:strVal val="visible"/>
+                                      </p:to>
+                                    </p:set>
+                                    <p:animEffect filter="fade" transition="in">
+                                      <p:cBhvr>
+                                        <p:cTn dur="1000"/>
+                                        <p:tgtEl>
+                                          <p:spTgt spid="295"/>
+                                        </p:tgtEl>
+                                      </p:cBhvr>
+                                    </p:animEffect>
+                                  </p:childTnLst>
+                                </p:cTn>
+                              </p:par>
                               <p:par>
                                 <p:cTn fill="hold" nodeType="withEffect" presetClass="entr" presetID="10" presetSubtype="0">
                                   <p:stCondLst>
@@ -22002,7 +22042,7 @@
                                           </p:stCondLst>
                                         </p:cTn>
                                         <p:tgtEl>
-                                          <p:spTgt spid="284"/>
+                                          <p:spTgt spid="285"/>
                                         </p:tgtEl>
                                         <p:attrNameLst>
                                           <p:attrName>style.visibility</p:attrName>
@@ -22016,7 +22056,7 @@
                                       <p:cBhvr>
                                         <p:cTn dur="1000"/>
                                         <p:tgtEl>
-                                          <p:spTgt spid="284"/>
+                                          <p:spTgt spid="285"/>
                                         </p:tgtEl>
                                       </p:cBhvr>
                                     </p:animEffect>
@@ -22059,7 +22099,7 @@
   <p:cSld>
     <p:spTree>
       <p:nvGrpSpPr>
-        <p:cNvPr id="298" name="Shape 298"/>
+        <p:cNvPr id="299" name="Shape 299"/>
         <p:cNvGrpSpPr/>
         <p:nvPr/>
       </p:nvGrpSpPr>
@@ -22073,7 +22113,7 @@
       </p:grpSpPr>
       <p:sp>
         <p:nvSpPr>
-          <p:cNvPr id="299" name="Google Shape;299;p39"/>
+          <p:cNvPr id="300" name="Google Shape;300;p39"/>
           <p:cNvSpPr/>
           <p:nvPr/>
         </p:nvSpPr>
@@ -22124,7 +22164,7 @@
       </p:sp>
       <p:sp>
         <p:nvSpPr>
-          <p:cNvPr id="300" name="Google Shape;300;p39"/>
+          <p:cNvPr id="301" name="Google Shape;301;p39"/>
           <p:cNvSpPr txBox="1"/>
           <p:nvPr/>
         </p:nvSpPr>
@@ -22725,7 +22765,7 @@
       </p:sp>
       <p:sp>
         <p:nvSpPr>
-          <p:cNvPr id="301" name="Google Shape;301;p39"/>
+          <p:cNvPr id="302" name="Google Shape;302;p39"/>
           <p:cNvSpPr txBox="1"/>
           <p:nvPr/>
         </p:nvSpPr>
@@ -22794,7 +22834,7 @@
   <p:cSld>
     <p:spTree>
       <p:nvGrpSpPr>
-        <p:cNvPr id="305" name="Shape 305"/>
+        <p:cNvPr id="306" name="Shape 306"/>
         <p:cNvGrpSpPr/>
         <p:nvPr/>
       </p:nvGrpSpPr>
@@ -22808,7 +22848,7 @@
       </p:grpSpPr>
       <p:sp>
         <p:nvSpPr>
-          <p:cNvPr id="306" name="Google Shape;306;p40"/>
+          <p:cNvPr id="307" name="Google Shape;307;p40"/>
           <p:cNvSpPr/>
           <p:nvPr/>
         </p:nvSpPr>
@@ -22859,7 +22899,7 @@
       </p:sp>
       <p:sp>
         <p:nvSpPr>
-          <p:cNvPr id="307" name="Google Shape;307;p40"/>
+          <p:cNvPr id="308" name="Google Shape;308;p40"/>
           <p:cNvSpPr txBox="1"/>
           <p:nvPr/>
         </p:nvSpPr>
@@ -23525,7 +23565,7 @@
       </p:sp>
       <p:sp>
         <p:nvSpPr>
-          <p:cNvPr id="308" name="Google Shape;308;p40"/>
+          <p:cNvPr id="309" name="Google Shape;309;p40"/>
           <p:cNvSpPr txBox="1"/>
           <p:nvPr/>
         </p:nvSpPr>
@@ -23594,7 +23634,7 @@
   <p:cSld>
     <p:spTree>
       <p:nvGrpSpPr>
-        <p:cNvPr id="312" name="Shape 312"/>
+        <p:cNvPr id="313" name="Shape 313"/>
         <p:cNvGrpSpPr/>
         <p:nvPr/>
       </p:nvGrpSpPr>
@@ -23608,7 +23648,7 @@
       </p:grpSpPr>
       <p:sp>
         <p:nvSpPr>
-          <p:cNvPr id="313" name="Google Shape;313;p41"/>
+          <p:cNvPr id="314" name="Google Shape;314;p41"/>
           <p:cNvSpPr txBox="1"/>
           <p:nvPr>
             <p:ph type="title"/>
@@ -23648,7 +23688,7 @@
       </p:sp>
       <p:sp>
         <p:nvSpPr>
-          <p:cNvPr id="314" name="Google Shape;314;p41"/>
+          <p:cNvPr id="315" name="Google Shape;315;p41"/>
           <p:cNvSpPr txBox="1"/>
           <p:nvPr>
             <p:ph idx="1" type="body"/>
@@ -23715,7 +23755,7 @@
   <p:cSld>
     <p:spTree>
       <p:nvGrpSpPr>
-        <p:cNvPr id="70" name="Shape 70"/>
+        <p:cNvPr id="71" name="Shape 71"/>
         <p:cNvGrpSpPr/>
         <p:nvPr/>
       </p:nvGrpSpPr>
@@ -23729,7 +23769,7 @@
       </p:grpSpPr>
       <p:sp>
         <p:nvSpPr>
-          <p:cNvPr id="71" name="Google Shape;71;p15"/>
+          <p:cNvPr id="72" name="Google Shape;72;p15"/>
           <p:cNvSpPr txBox="1"/>
           <p:nvPr>
             <p:ph type="title"/>
@@ -23769,7 +23809,7 @@
       </p:sp>
       <p:sp>
         <p:nvSpPr>
-          <p:cNvPr id="72" name="Google Shape;72;p15"/>
+          <p:cNvPr id="73" name="Google Shape;73;p15"/>
           <p:cNvSpPr txBox="1"/>
           <p:nvPr>
             <p:ph idx="1" type="body"/>
@@ -23809,7 +23849,7 @@
       </p:sp>
       <p:sp>
         <p:nvSpPr>
-          <p:cNvPr id="73" name="Google Shape;73;p15"/>
+          <p:cNvPr id="74" name="Google Shape;74;p15"/>
           <p:cNvSpPr txBox="1"/>
           <p:nvPr/>
         </p:nvSpPr>
@@ -23878,7 +23918,7 @@
   <p:cSld>
     <p:spTree>
       <p:nvGrpSpPr>
-        <p:cNvPr id="318" name="Shape 318"/>
+        <p:cNvPr id="319" name="Shape 319"/>
         <p:cNvGrpSpPr/>
         <p:nvPr/>
       </p:nvGrpSpPr>
@@ -23892,7 +23932,7 @@
       </p:grpSpPr>
       <p:sp>
         <p:nvSpPr>
-          <p:cNvPr id="319" name="Google Shape;319;p42"/>
+          <p:cNvPr id="320" name="Google Shape;320;p42"/>
           <p:cNvSpPr/>
           <p:nvPr/>
         </p:nvSpPr>
@@ -23943,7 +23983,7 @@
       </p:sp>
       <p:sp>
         <p:nvSpPr>
-          <p:cNvPr id="320" name="Google Shape;320;p42"/>
+          <p:cNvPr id="321" name="Google Shape;321;p42"/>
           <p:cNvSpPr txBox="1"/>
           <p:nvPr/>
         </p:nvSpPr>
@@ -24663,7 +24703,7 @@
       </p:sp>
       <p:sp>
         <p:nvSpPr>
-          <p:cNvPr id="321" name="Google Shape;321;p42"/>
+          <p:cNvPr id="322" name="Google Shape;322;p42"/>
           <p:cNvSpPr/>
           <p:nvPr/>
         </p:nvSpPr>
@@ -24714,7 +24754,7 @@
       </p:sp>
       <p:sp>
         <p:nvSpPr>
-          <p:cNvPr id="322" name="Google Shape;322;p42"/>
+          <p:cNvPr id="323" name="Google Shape;323;p42"/>
           <p:cNvSpPr txBox="1"/>
           <p:nvPr/>
         </p:nvSpPr>
@@ -24772,7 +24812,7 @@
       </p:sp>
       <p:sp>
         <p:nvSpPr>
-          <p:cNvPr id="323" name="Google Shape;323;p42"/>
+          <p:cNvPr id="324" name="Google Shape;324;p42"/>
           <p:cNvSpPr/>
           <p:nvPr/>
         </p:nvSpPr>
@@ -24823,7 +24863,7 @@
       </p:sp>
       <p:sp>
         <p:nvSpPr>
-          <p:cNvPr id="324" name="Google Shape;324;p42"/>
+          <p:cNvPr id="325" name="Google Shape;325;p42"/>
           <p:cNvSpPr/>
           <p:nvPr/>
         </p:nvSpPr>
@@ -24874,7 +24914,7 @@
       </p:sp>
       <p:sp>
         <p:nvSpPr>
-          <p:cNvPr id="325" name="Google Shape;325;p42"/>
+          <p:cNvPr id="326" name="Google Shape;326;p42"/>
           <p:cNvSpPr/>
           <p:nvPr/>
         </p:nvSpPr>
@@ -24925,7 +24965,7 @@
       </p:sp>
       <p:sp>
         <p:nvSpPr>
-          <p:cNvPr id="326" name="Google Shape;326;p42"/>
+          <p:cNvPr id="327" name="Google Shape;327;p42"/>
           <p:cNvSpPr/>
           <p:nvPr/>
         </p:nvSpPr>
@@ -24975,7 +25015,7 @@
       </p:sp>
       <p:sp>
         <p:nvSpPr>
-          <p:cNvPr id="327" name="Google Shape;327;p42"/>
+          <p:cNvPr id="328" name="Google Shape;328;p42"/>
           <p:cNvSpPr/>
           <p:nvPr/>
         </p:nvSpPr>
@@ -25025,7 +25065,7 @@
       </p:sp>
       <p:sp>
         <p:nvSpPr>
-          <p:cNvPr id="328" name="Google Shape;328;p42"/>
+          <p:cNvPr id="329" name="Google Shape;329;p42"/>
           <p:cNvSpPr/>
           <p:nvPr/>
         </p:nvSpPr>
@@ -25075,7 +25115,7 @@
       </p:sp>
       <p:sp>
         <p:nvSpPr>
-          <p:cNvPr id="329" name="Google Shape;329;p42"/>
+          <p:cNvPr id="330" name="Google Shape;330;p42"/>
           <p:cNvSpPr/>
           <p:nvPr/>
         </p:nvSpPr>
@@ -25125,7 +25165,7 @@
       </p:sp>
       <p:sp>
         <p:nvSpPr>
-          <p:cNvPr id="330" name="Google Shape;330;p42"/>
+          <p:cNvPr id="331" name="Google Shape;331;p42"/>
           <p:cNvSpPr txBox="1"/>
           <p:nvPr/>
         </p:nvSpPr>
@@ -25234,7 +25274,7 @@
       </p:sp>
       <p:sp>
         <p:nvSpPr>
-          <p:cNvPr id="331" name="Google Shape;331;p42"/>
+          <p:cNvPr id="332" name="Google Shape;332;p42"/>
           <p:cNvSpPr txBox="1"/>
           <p:nvPr/>
         </p:nvSpPr>
@@ -25309,7 +25349,7 @@
       </p:sp>
       <p:sp>
         <p:nvSpPr>
-          <p:cNvPr id="332" name="Google Shape;332;p42"/>
+          <p:cNvPr id="333" name="Google Shape;333;p42"/>
           <p:cNvSpPr txBox="1"/>
           <p:nvPr/>
         </p:nvSpPr>
@@ -25372,7 +25412,7 @@
       </p:sp>
       <p:sp>
         <p:nvSpPr>
-          <p:cNvPr id="333" name="Google Shape;333;p42"/>
+          <p:cNvPr id="334" name="Google Shape;334;p42"/>
           <p:cNvSpPr txBox="1"/>
           <p:nvPr/>
         </p:nvSpPr>
@@ -25458,6 +25498,129 @@
             <p:seq concurrent="1" nextAc="seek">
               <p:cTn dur="indefinite" id="2" nodeType="mainSeq">
                 <p:childTnLst>
+                  <p:par>
+                    <p:cTn fill="hold">
+                      <p:stCondLst>
+                        <p:cond delay="indefinite"/>
+                      </p:stCondLst>
+                      <p:childTnLst>
+                        <p:par>
+                          <p:cTn fill="hold">
+                            <p:stCondLst>
+                              <p:cond delay="0"/>
+                            </p:stCondLst>
+                            <p:childTnLst>
+                              <p:par>
+                                <p:cTn fill="hold" nodeType="clickEffect" presetClass="entr" presetID="10" presetSubtype="0">
+                                  <p:stCondLst>
+                                    <p:cond delay="0"/>
+                                  </p:stCondLst>
+                                  <p:childTnLst>
+                                    <p:set>
+                                      <p:cBhvr>
+                                        <p:cTn dur="1" fill="hold">
+                                          <p:stCondLst>
+                                            <p:cond delay="0"/>
+                                          </p:stCondLst>
+                                        </p:cTn>
+                                        <p:tgtEl>
+                                          <p:spTgt spid="326"/>
+                                        </p:tgtEl>
+                                        <p:attrNameLst>
+                                          <p:attrName>style.visibility</p:attrName>
+                                        </p:attrNameLst>
+                                      </p:cBhvr>
+                                      <p:to>
+                                        <p:strVal val="visible"/>
+                                      </p:to>
+                                    </p:set>
+                                    <p:animEffect filter="fade" transition="in">
+                                      <p:cBhvr>
+                                        <p:cTn dur="1000"/>
+                                        <p:tgtEl>
+                                          <p:spTgt spid="326"/>
+                                        </p:tgtEl>
+                                      </p:cBhvr>
+                                    </p:animEffect>
+                                  </p:childTnLst>
+                                </p:cTn>
+                              </p:par>
+                              <p:par>
+                                <p:cTn fill="hold" nodeType="withEffect" presetClass="entr" presetID="10" presetSubtype="0">
+                                  <p:stCondLst>
+                                    <p:cond delay="0"/>
+                                  </p:stCondLst>
+                                  <p:childTnLst>
+                                    <p:set>
+                                      <p:cBhvr>
+                                        <p:cTn dur="1" fill="hold">
+                                          <p:stCondLst>
+                                            <p:cond delay="0"/>
+                                          </p:stCondLst>
+                                        </p:cTn>
+                                        <p:tgtEl>
+                                          <p:spTgt spid="328"/>
+                                        </p:tgtEl>
+                                        <p:attrNameLst>
+                                          <p:attrName>style.visibility</p:attrName>
+                                        </p:attrNameLst>
+                                      </p:cBhvr>
+                                      <p:to>
+                                        <p:strVal val="visible"/>
+                                      </p:to>
+                                    </p:set>
+                                    <p:animEffect filter="fade" transition="in">
+                                      <p:cBhvr>
+                                        <p:cTn dur="1000"/>
+                                        <p:tgtEl>
+                                          <p:spTgt spid="328"/>
+                                        </p:tgtEl>
+                                      </p:cBhvr>
+                                    </p:animEffect>
+                                  </p:childTnLst>
+                                </p:cTn>
+                              </p:par>
+                              <p:par>
+                                <p:cTn fill="hold" nodeType="withEffect" presetClass="entr" presetID="10" presetSubtype="0">
+                                  <p:stCondLst>
+                                    <p:cond delay="0"/>
+                                  </p:stCondLst>
+                                  <p:childTnLst>
+                                    <p:set>
+                                      <p:cBhvr>
+                                        <p:cTn dur="1" fill="hold">
+                                          <p:stCondLst>
+                                            <p:cond delay="0"/>
+                                          </p:stCondLst>
+                                        </p:cTn>
+                                        <p:tgtEl>
+                                          <p:spTgt spid="331"/>
+                                        </p:tgtEl>
+                                        <p:attrNameLst>
+                                          <p:attrName>style.visibility</p:attrName>
+                                        </p:attrNameLst>
+                                      </p:cBhvr>
+                                      <p:to>
+                                        <p:strVal val="visible"/>
+                                      </p:to>
+                                    </p:set>
+                                    <p:animEffect filter="fade" transition="in">
+                                      <p:cBhvr>
+                                        <p:cTn dur="1000"/>
+                                        <p:tgtEl>
+                                          <p:spTgt spid="331"/>
+                                        </p:tgtEl>
+                                      </p:cBhvr>
+                                    </p:animEffect>
+                                  </p:childTnLst>
+                                </p:cTn>
+                              </p:par>
+                            </p:childTnLst>
+                          </p:cTn>
+                        </p:par>
+                      </p:childTnLst>
+                    </p:cTn>
+                  </p:par>
                   <p:par>
                     <p:cTn fill="hold">
                       <p:stCondLst>
@@ -25554,7 +25717,7 @@
                                           </p:stCondLst>
                                         </p:cTn>
                                         <p:tgtEl>
-                                          <p:spTgt spid="330"/>
+                                          <p:spTgt spid="332"/>
                                         </p:tgtEl>
                                         <p:attrNameLst>
                                           <p:attrName>style.visibility</p:attrName>
@@ -25568,10 +25731,54 @@
                                       <p:cBhvr>
                                         <p:cTn dur="1000"/>
                                         <p:tgtEl>
-                                          <p:spTgt spid="330"/>
+                                          <p:spTgt spid="332"/>
                                         </p:tgtEl>
                                       </p:cBhvr>
                                     </p:animEffect>
+                                  </p:childTnLst>
+                                </p:cTn>
+                              </p:par>
+                            </p:childTnLst>
+                          </p:cTn>
+                        </p:par>
+                        <p:par>
+                          <p:cTn fill="hold">
+                            <p:stCondLst>
+                              <p:cond delay="1000"/>
+                            </p:stCondLst>
+                            <p:childTnLst>
+                              <p:par>
+                                <p:cTn fill="hold" nodeType="afterEffect" presetClass="exit" presetID="10" presetSubtype="0">
+                                  <p:stCondLst>
+                                    <p:cond delay="0"/>
+                                  </p:stCondLst>
+                                  <p:childTnLst>
+                                    <p:animEffect filter="fade" transition="out">
+                                      <p:cBhvr>
+                                        <p:cTn dur="1000"/>
+                                        <p:tgtEl>
+                                          <p:spTgt spid="326"/>
+                                        </p:tgtEl>
+                                      </p:cBhvr>
+                                    </p:animEffect>
+                                    <p:set>
+                                      <p:cBhvr>
+                                        <p:cTn dur="1" fill="hold">
+                                          <p:stCondLst>
+                                            <p:cond delay="1000"/>
+                                          </p:stCondLst>
+                                        </p:cTn>
+                                        <p:tgtEl>
+                                          <p:spTgt spid="326"/>
+                                        </p:tgtEl>
+                                        <p:attrNameLst>
+                                          <p:attrName>style.visibility</p:attrName>
+                                        </p:attrNameLst>
+                                      </p:cBhvr>
+                                      <p:to>
+                                        <p:strVal val="hidden"/>
+                                      </p:to>
+                                    </p:set>
                                   </p:childTnLst>
                                 </p:cTn>
                               </p:par>
@@ -25607,7 +25814,7 @@
                                           </p:stCondLst>
                                         </p:cTn>
                                         <p:tgtEl>
-                                          <p:spTgt spid="324"/>
+                                          <p:spTgt spid="322"/>
                                         </p:tgtEl>
                                         <p:attrNameLst>
                                           <p:attrName>style.visibility</p:attrName>
@@ -25621,7 +25828,7 @@
                                       <p:cBhvr>
                                         <p:cTn dur="1000"/>
                                         <p:tgtEl>
-                                          <p:spTgt spid="324"/>
+                                          <p:spTgt spid="322"/>
                                         </p:tgtEl>
                                       </p:cBhvr>
                                     </p:animEffect>
@@ -25642,7 +25849,7 @@
                                           </p:stCondLst>
                                         </p:cTn>
                                         <p:tgtEl>
-                                          <p:spTgt spid="326"/>
+                                          <p:spTgt spid="329"/>
                                         </p:tgtEl>
                                         <p:attrNameLst>
                                           <p:attrName>style.visibility</p:attrName>
@@ -25656,7 +25863,7 @@
                                       <p:cBhvr>
                                         <p:cTn dur="1000"/>
                                         <p:tgtEl>
-                                          <p:spTgt spid="326"/>
+                                          <p:spTgt spid="329"/>
                                         </p:tgtEl>
                                       </p:cBhvr>
                                     </p:animEffect>
@@ -25677,7 +25884,7 @@
                                           </p:stCondLst>
                                         </p:cTn>
                                         <p:tgtEl>
-                                          <p:spTgt spid="331"/>
+                                          <p:spTgt spid="333"/>
                                         </p:tgtEl>
                                         <p:attrNameLst>
                                           <p:attrName>style.visibility</p:attrName>
@@ -25691,7 +25898,7 @@
                                       <p:cBhvr>
                                         <p:cTn dur="1000"/>
                                         <p:tgtEl>
-                                          <p:spTgt spid="331"/>
+                                          <p:spTgt spid="333"/>
                                         </p:tgtEl>
                                       </p:cBhvr>
                                     </p:animEffect>
@@ -25774,7 +25981,7 @@
                                           </p:stCondLst>
                                         </p:cTn>
                                         <p:tgtEl>
-                                          <p:spTgt spid="321"/>
+                                          <p:spTgt spid="324"/>
                                         </p:tgtEl>
                                         <p:attrNameLst>
                                           <p:attrName>style.visibility</p:attrName>
@@ -25788,7 +25995,7 @@
                                       <p:cBhvr>
                                         <p:cTn dur="1000"/>
                                         <p:tgtEl>
-                                          <p:spTgt spid="321"/>
+                                          <p:spTgt spid="324"/>
                                         </p:tgtEl>
                                       </p:cBhvr>
                                     </p:animEffect>
@@ -25809,7 +26016,7 @@
                                           </p:stCondLst>
                                         </p:cTn>
                                         <p:tgtEl>
-                                          <p:spTgt spid="328"/>
+                                          <p:spTgt spid="330"/>
                                         </p:tgtEl>
                                         <p:attrNameLst>
                                           <p:attrName>style.visibility</p:attrName>
@@ -25823,7 +26030,7 @@
                                       <p:cBhvr>
                                         <p:cTn dur="1000"/>
                                         <p:tgtEl>
-                                          <p:spTgt spid="328"/>
+                                          <p:spTgt spid="330"/>
                                         </p:tgtEl>
                                       </p:cBhvr>
                                     </p:animEffect>
@@ -25844,7 +26051,7 @@
                                           </p:stCondLst>
                                         </p:cTn>
                                         <p:tgtEl>
-                                          <p:spTgt spid="332"/>
+                                          <p:spTgt spid="334"/>
                                         </p:tgtEl>
                                         <p:attrNameLst>
                                           <p:attrName>style.visibility</p:attrName>
@@ -25858,174 +26065,7 @@
                                       <p:cBhvr>
                                         <p:cTn dur="1000"/>
                                         <p:tgtEl>
-                                          <p:spTgt spid="332"/>
-                                        </p:tgtEl>
-                                      </p:cBhvr>
-                                    </p:animEffect>
-                                  </p:childTnLst>
-                                </p:cTn>
-                              </p:par>
-                            </p:childTnLst>
-                          </p:cTn>
-                        </p:par>
-                        <p:par>
-                          <p:cTn fill="hold">
-                            <p:stCondLst>
-                              <p:cond delay="1000"/>
-                            </p:stCondLst>
-                            <p:childTnLst>
-                              <p:par>
-                                <p:cTn fill="hold" nodeType="afterEffect" presetClass="exit" presetID="10" presetSubtype="0">
-                                  <p:stCondLst>
-                                    <p:cond delay="0"/>
-                                  </p:stCondLst>
-                                  <p:childTnLst>
-                                    <p:animEffect filter="fade" transition="out">
-                                      <p:cBhvr>
-                                        <p:cTn dur="1000"/>
-                                        <p:tgtEl>
-                                          <p:spTgt spid="324"/>
-                                        </p:tgtEl>
-                                      </p:cBhvr>
-                                    </p:animEffect>
-                                    <p:set>
-                                      <p:cBhvr>
-                                        <p:cTn dur="1" fill="hold">
-                                          <p:stCondLst>
-                                            <p:cond delay="1000"/>
-                                          </p:stCondLst>
-                                        </p:cTn>
-                                        <p:tgtEl>
-                                          <p:spTgt spid="324"/>
-                                        </p:tgtEl>
-                                        <p:attrNameLst>
-                                          <p:attrName>style.visibility</p:attrName>
-                                        </p:attrNameLst>
-                                      </p:cBhvr>
-                                      <p:to>
-                                        <p:strVal val="hidden"/>
-                                      </p:to>
-                                    </p:set>
-                                  </p:childTnLst>
-                                </p:cTn>
-                              </p:par>
-                            </p:childTnLst>
-                          </p:cTn>
-                        </p:par>
-                      </p:childTnLst>
-                    </p:cTn>
-                  </p:par>
-                  <p:par>
-                    <p:cTn fill="hold">
-                      <p:stCondLst>
-                        <p:cond delay="indefinite"/>
-                      </p:stCondLst>
-                      <p:childTnLst>
-                        <p:par>
-                          <p:cTn fill="hold">
-                            <p:stCondLst>
-                              <p:cond delay="0"/>
-                            </p:stCondLst>
-                            <p:childTnLst>
-                              <p:par>
-                                <p:cTn fill="hold" nodeType="clickEffect" presetClass="entr" presetID="10" presetSubtype="0">
-                                  <p:stCondLst>
-                                    <p:cond delay="0"/>
-                                  </p:stCondLst>
-                                  <p:childTnLst>
-                                    <p:set>
-                                      <p:cBhvr>
-                                        <p:cTn dur="1" fill="hold">
-                                          <p:stCondLst>
-                                            <p:cond delay="0"/>
-                                          </p:stCondLst>
-                                        </p:cTn>
-                                        <p:tgtEl>
-                                          <p:spTgt spid="323"/>
-                                        </p:tgtEl>
-                                        <p:attrNameLst>
-                                          <p:attrName>style.visibility</p:attrName>
-                                        </p:attrNameLst>
-                                      </p:cBhvr>
-                                      <p:to>
-                                        <p:strVal val="visible"/>
-                                      </p:to>
-                                    </p:set>
-                                    <p:animEffect filter="fade" transition="in">
-                                      <p:cBhvr>
-                                        <p:cTn dur="1000"/>
-                                        <p:tgtEl>
-                                          <p:spTgt spid="323"/>
-                                        </p:tgtEl>
-                                      </p:cBhvr>
-                                    </p:animEffect>
-                                  </p:childTnLst>
-                                </p:cTn>
-                              </p:par>
-                              <p:par>
-                                <p:cTn fill="hold" nodeType="withEffect" presetClass="entr" presetID="10" presetSubtype="0">
-                                  <p:stCondLst>
-                                    <p:cond delay="0"/>
-                                  </p:stCondLst>
-                                  <p:childTnLst>
-                                    <p:set>
-                                      <p:cBhvr>
-                                        <p:cTn dur="1" fill="hold">
-                                          <p:stCondLst>
-                                            <p:cond delay="0"/>
-                                          </p:stCondLst>
-                                        </p:cTn>
-                                        <p:tgtEl>
-                                          <p:spTgt spid="329"/>
-                                        </p:tgtEl>
-                                        <p:attrNameLst>
-                                          <p:attrName>style.visibility</p:attrName>
-                                        </p:attrNameLst>
-                                      </p:cBhvr>
-                                      <p:to>
-                                        <p:strVal val="visible"/>
-                                      </p:to>
-                                    </p:set>
-                                    <p:animEffect filter="fade" transition="in">
-                                      <p:cBhvr>
-                                        <p:cTn dur="1000"/>
-                                        <p:tgtEl>
-                                          <p:spTgt spid="329"/>
-                                        </p:tgtEl>
-                                      </p:cBhvr>
-                                    </p:animEffect>
-                                  </p:childTnLst>
-                                </p:cTn>
-                              </p:par>
-                              <p:par>
-                                <p:cTn fill="hold" nodeType="withEffect" presetClass="entr" presetID="10" presetSubtype="0">
-                                  <p:stCondLst>
-                                    <p:cond delay="0"/>
-                                  </p:stCondLst>
-                                  <p:childTnLst>
-                                    <p:set>
-                                      <p:cBhvr>
-                                        <p:cTn dur="1" fill="hold">
-                                          <p:stCondLst>
-                                            <p:cond delay="0"/>
-                                          </p:stCondLst>
-                                        </p:cTn>
-                                        <p:tgtEl>
-                                          <p:spTgt spid="333"/>
-                                        </p:tgtEl>
-                                        <p:attrNameLst>
-                                          <p:attrName>style.visibility</p:attrName>
-                                        </p:attrNameLst>
-                                      </p:cBhvr>
-                                      <p:to>
-                                        <p:strVal val="visible"/>
-                                      </p:to>
-                                    </p:set>
-                                    <p:animEffect filter="fade" transition="in">
-                                      <p:cBhvr>
-                                        <p:cTn dur="1000"/>
-                                        <p:tgtEl>
-                                          <p:spTgt spid="333"/>
+                                          <p:spTgt spid="334"/>
                                         </p:tgtEl>
                                       </p:cBhvr>
                                     </p:animEffect>
@@ -26042,7 +26082,7 @@
                                       <p:cBhvr>
                                         <p:cTn dur="1000"/>
                                         <p:tgtEl>
-                                          <p:spTgt spid="324"/>
+                                          <p:spTgt spid="325"/>
                                         </p:tgtEl>
                                       </p:cBhvr>
                                     </p:animEffect>
@@ -26054,7 +26094,7 @@
                                           </p:stCondLst>
                                         </p:cTn>
                                         <p:tgtEl>
-                                          <p:spTgt spid="324"/>
+                                          <p:spTgt spid="325"/>
                                         </p:tgtEl>
                                         <p:attrNameLst>
                                           <p:attrName>style.visibility</p:attrName>
@@ -26086,7 +26126,7 @@
                                       <p:cBhvr>
                                         <p:cTn dur="1000"/>
                                         <p:tgtEl>
-                                          <p:spTgt spid="321"/>
+                                          <p:spTgt spid="322"/>
                                         </p:tgtEl>
                                       </p:cBhvr>
                                     </p:animEffect>
@@ -26098,7 +26138,7 @@
                                           </p:stCondLst>
                                         </p:cTn>
                                         <p:tgtEl>
-                                          <p:spTgt spid="321"/>
+                                          <p:spTgt spid="322"/>
                                         </p:tgtEl>
                                         <p:attrNameLst>
                                           <p:attrName>style.visibility</p:attrName>
@@ -26139,7 +26179,7 @@
                                       <p:cBhvr>
                                         <p:cTn dur="1000"/>
                                         <p:tgtEl>
-                                          <p:spTgt spid="323"/>
+                                          <p:spTgt spid="324"/>
                                         </p:tgtEl>
                                       </p:cBhvr>
                                     </p:animEffect>
@@ -26151,7 +26191,7 @@
                                           </p:stCondLst>
                                         </p:cTn>
                                         <p:tgtEl>
-                                          <p:spTgt spid="323"/>
+                                          <p:spTgt spid="324"/>
                                         </p:tgtEl>
                                         <p:attrNameLst>
                                           <p:attrName>style.visibility</p:attrName>
@@ -26200,7 +26240,7 @@
   <p:cSld>
     <p:spTree>
       <p:nvGrpSpPr>
-        <p:cNvPr id="337" name="Shape 337"/>
+        <p:cNvPr id="338" name="Shape 338"/>
         <p:cNvGrpSpPr/>
         <p:nvPr/>
       </p:nvGrpSpPr>
@@ -26214,7 +26254,7 @@
       </p:grpSpPr>
       <p:sp>
         <p:nvSpPr>
-          <p:cNvPr id="338" name="Google Shape;338;p43"/>
+          <p:cNvPr id="339" name="Google Shape;339;p43"/>
           <p:cNvSpPr/>
           <p:nvPr/>
         </p:nvSpPr>
@@ -26265,7 +26305,7 @@
       </p:sp>
       <p:sp>
         <p:nvSpPr>
-          <p:cNvPr id="339" name="Google Shape;339;p43"/>
+          <p:cNvPr id="340" name="Google Shape;340;p43"/>
           <p:cNvSpPr txBox="1"/>
           <p:nvPr/>
         </p:nvSpPr>
@@ -26985,7 +27025,7 @@
       </p:sp>
       <p:sp>
         <p:nvSpPr>
-          <p:cNvPr id="340" name="Google Shape;340;p43"/>
+          <p:cNvPr id="341" name="Google Shape;341;p43"/>
           <p:cNvSpPr txBox="1"/>
           <p:nvPr/>
         </p:nvSpPr>
@@ -27043,7 +27083,7 @@
       </p:sp>
       <p:sp>
         <p:nvSpPr>
-          <p:cNvPr id="341" name="Google Shape;341;p43"/>
+          <p:cNvPr id="342" name="Google Shape;342;p43"/>
           <p:cNvSpPr txBox="1"/>
           <p:nvPr/>
         </p:nvSpPr>
@@ -27137,7 +27177,7 @@
       </p:sp>
       <p:sp>
         <p:nvSpPr>
-          <p:cNvPr id="342" name="Google Shape;342;p43"/>
+          <p:cNvPr id="343" name="Google Shape;343;p43"/>
           <p:cNvSpPr txBox="1"/>
           <p:nvPr/>
         </p:nvSpPr>
@@ -27231,7 +27271,7 @@
       </p:sp>
       <p:sp>
         <p:nvSpPr>
-          <p:cNvPr id="343" name="Google Shape;343;p43"/>
+          <p:cNvPr id="344" name="Google Shape;344;p43"/>
           <p:cNvSpPr txBox="1"/>
           <p:nvPr/>
         </p:nvSpPr>
@@ -27346,7 +27386,7 @@
                                           </p:stCondLst>
                                         </p:cTn>
                                         <p:tgtEl>
-                                          <p:spTgt spid="341"/>
+                                          <p:spTgt spid="342"/>
                                         </p:tgtEl>
                                         <p:attrNameLst>
                                           <p:attrName>style.visibility</p:attrName>
@@ -27360,7 +27400,60 @@
                                       <p:cBhvr>
                                         <p:cTn dur="1000"/>
                                         <p:tgtEl>
-                                          <p:spTgt spid="341"/>
+                                          <p:spTgt spid="342"/>
+                                        </p:tgtEl>
+                                      </p:cBhvr>
+                                    </p:animEffect>
+                                  </p:childTnLst>
+                                </p:cTn>
+                              </p:par>
+                            </p:childTnLst>
+                          </p:cTn>
+                        </p:par>
+                      </p:childTnLst>
+                    </p:cTn>
+                  </p:par>
+                  <p:par>
+                    <p:cTn fill="hold">
+                      <p:stCondLst>
+                        <p:cond delay="indefinite"/>
+                      </p:stCondLst>
+                      <p:childTnLst>
+                        <p:par>
+                          <p:cTn fill="hold">
+                            <p:stCondLst>
+                              <p:cond delay="0"/>
+                            </p:stCondLst>
+                            <p:childTnLst>
+                              <p:par>
+                                <p:cTn fill="hold" nodeType="clickEffect" presetClass="entr" presetID="10" presetSubtype="0">
+                                  <p:stCondLst>
+                                    <p:cond delay="0"/>
+                                  </p:stCondLst>
+                                  <p:childTnLst>
+                                    <p:set>
+                                      <p:cBhvr>
+                                        <p:cTn dur="1" fill="hold">
+                                          <p:stCondLst>
+                                            <p:cond delay="0"/>
+                                          </p:stCondLst>
+                                        </p:cTn>
+                                        <p:tgtEl>
+                                          <p:spTgt spid="344"/>
+                                        </p:tgtEl>
+                                        <p:attrNameLst>
+                                          <p:attrName>style.visibility</p:attrName>
+                                        </p:attrNameLst>
+                                      </p:cBhvr>
+                                      <p:to>
+                                        <p:strVal val="visible"/>
+                                      </p:to>
+                                    </p:set>
+                                    <p:animEffect filter="fade" transition="in">
+                                      <p:cBhvr>
+                                        <p:cTn dur="1000"/>
+                                        <p:tgtEl>
+                                          <p:spTgt spid="344"/>
                                         </p:tgtEl>
                                       </p:cBhvr>
                                     </p:animEffect>
@@ -27426,59 +27519,6 @@
                       </p:childTnLst>
                     </p:cTn>
                   </p:par>
-                  <p:par>
-                    <p:cTn fill="hold">
-                      <p:stCondLst>
-                        <p:cond delay="indefinite"/>
-                      </p:stCondLst>
-                      <p:childTnLst>
-                        <p:par>
-                          <p:cTn fill="hold">
-                            <p:stCondLst>
-                              <p:cond delay="0"/>
-                            </p:stCondLst>
-                            <p:childTnLst>
-                              <p:par>
-                                <p:cTn fill="hold" nodeType="clickEffect" presetClass="entr" presetID="10" presetSubtype="0">
-                                  <p:stCondLst>
-                                    <p:cond delay="0"/>
-                                  </p:stCondLst>
-                                  <p:childTnLst>
-                                    <p:set>
-                                      <p:cBhvr>
-                                        <p:cTn dur="1" fill="hold">
-                                          <p:stCondLst>
-                                            <p:cond delay="0"/>
-                                          </p:stCondLst>
-                                        </p:cTn>
-                                        <p:tgtEl>
-                                          <p:spTgt spid="342"/>
-                                        </p:tgtEl>
-                                        <p:attrNameLst>
-                                          <p:attrName>style.visibility</p:attrName>
-                                        </p:attrNameLst>
-                                      </p:cBhvr>
-                                      <p:to>
-                                        <p:strVal val="visible"/>
-                                      </p:to>
-                                    </p:set>
-                                    <p:animEffect filter="fade" transition="in">
-                                      <p:cBhvr>
-                                        <p:cTn dur="1000"/>
-                                        <p:tgtEl>
-                                          <p:spTgt spid="342"/>
-                                        </p:tgtEl>
-                                      </p:cBhvr>
-                                    </p:animEffect>
-                                  </p:childTnLst>
-                                </p:cTn>
-                              </p:par>
-                            </p:childTnLst>
-                          </p:cTn>
-                        </p:par>
-                      </p:childTnLst>
-                    </p:cTn>
-                  </p:par>
                 </p:childTnLst>
               </p:cTn>
               <p:prevCondLst>
@@ -27509,7 +27549,7 @@
   <p:cSld>
     <p:spTree>
       <p:nvGrpSpPr>
-        <p:cNvPr id="347" name="Shape 347"/>
+        <p:cNvPr id="348" name="Shape 348"/>
         <p:cNvGrpSpPr/>
         <p:nvPr/>
       </p:nvGrpSpPr>
@@ -27523,7 +27563,7 @@
       </p:grpSpPr>
       <p:sp>
         <p:nvSpPr>
-          <p:cNvPr id="348" name="Google Shape;348;p44"/>
+          <p:cNvPr id="349" name="Google Shape;349;p44"/>
           <p:cNvSpPr txBox="1"/>
           <p:nvPr>
             <p:ph type="title"/>
@@ -27574,7 +27614,7 @@
   <p:cSld>
     <p:spTree>
       <p:nvGrpSpPr>
-        <p:cNvPr id="352" name="Shape 352"/>
+        <p:cNvPr id="353" name="Shape 353"/>
         <p:cNvGrpSpPr/>
         <p:nvPr/>
       </p:nvGrpSpPr>
@@ -27588,7 +27628,7 @@
       </p:grpSpPr>
       <p:sp>
         <p:nvSpPr>
-          <p:cNvPr id="353" name="Google Shape;353;p45"/>
+          <p:cNvPr id="354" name="Google Shape;354;p45"/>
           <p:cNvSpPr txBox="1"/>
           <p:nvPr>
             <p:ph type="title"/>
@@ -27628,7 +27668,7 @@
       </p:sp>
       <p:sp>
         <p:nvSpPr>
-          <p:cNvPr id="354" name="Google Shape;354;p45"/>
+          <p:cNvPr id="355" name="Google Shape;355;p45"/>
           <p:cNvSpPr txBox="1"/>
           <p:nvPr>
             <p:ph idx="1" type="body"/>
@@ -27766,7 +27806,7 @@
       </p:sp>
       <p:sp>
         <p:nvSpPr>
-          <p:cNvPr id="355" name="Google Shape;355;p45"/>
+          <p:cNvPr id="356" name="Google Shape;356;p45"/>
           <p:cNvSpPr txBox="1"/>
           <p:nvPr/>
         </p:nvSpPr>
@@ -27882,7 +27922,7 @@
       </p:sp>
       <p:sp>
         <p:nvSpPr>
-          <p:cNvPr id="356" name="Google Shape;356;p45"/>
+          <p:cNvPr id="357" name="Google Shape;357;p45"/>
           <p:cNvSpPr txBox="1"/>
           <p:nvPr/>
         </p:nvSpPr>
@@ -27951,7 +27991,7 @@
   <p:cSld>
     <p:spTree>
       <p:nvGrpSpPr>
-        <p:cNvPr id="360" name="Shape 360"/>
+        <p:cNvPr id="361" name="Shape 361"/>
         <p:cNvGrpSpPr/>
         <p:nvPr/>
       </p:nvGrpSpPr>
@@ -27965,7 +28005,7 @@
       </p:grpSpPr>
       <p:sp>
         <p:nvSpPr>
-          <p:cNvPr id="361" name="Google Shape;361;p46"/>
+          <p:cNvPr id="362" name="Google Shape;362;p46"/>
           <p:cNvSpPr txBox="1"/>
           <p:nvPr>
             <p:ph type="title"/>
@@ -28006,7 +28046,7 @@
       </p:sp>
       <p:sp>
         <p:nvSpPr>
-          <p:cNvPr id="362" name="Google Shape;362;p46"/>
+          <p:cNvPr id="363" name="Google Shape;363;p46"/>
           <p:cNvSpPr txBox="1"/>
           <p:nvPr>
             <p:ph idx="1" type="body"/>
@@ -28185,7 +28225,7 @@
       </p:sp>
       <p:sp>
         <p:nvSpPr>
-          <p:cNvPr id="363" name="Google Shape;363;p46"/>
+          <p:cNvPr id="364" name="Google Shape;364;p46"/>
           <p:cNvSpPr txBox="1"/>
           <p:nvPr/>
         </p:nvSpPr>
@@ -28254,7 +28294,7 @@
   <p:cSld>
     <p:spTree>
       <p:nvGrpSpPr>
-        <p:cNvPr id="77" name="Shape 77"/>
+        <p:cNvPr id="78" name="Shape 78"/>
         <p:cNvGrpSpPr/>
         <p:nvPr/>
       </p:nvGrpSpPr>
@@ -28268,7 +28308,7 @@
       </p:grpSpPr>
       <p:sp>
         <p:nvSpPr>
-          <p:cNvPr id="78" name="Google Shape;78;p16"/>
+          <p:cNvPr id="79" name="Google Shape;79;p16"/>
           <p:cNvSpPr/>
           <p:nvPr/>
         </p:nvSpPr>
@@ -28319,7 +28359,7 @@
       </p:sp>
       <p:sp>
         <p:nvSpPr>
-          <p:cNvPr id="79" name="Google Shape;79;p16"/>
+          <p:cNvPr id="80" name="Google Shape;80;p16"/>
           <p:cNvSpPr txBox="1"/>
           <p:nvPr/>
         </p:nvSpPr>
@@ -28528,7 +28568,7 @@
   <p:cSld>
     <p:spTree>
       <p:nvGrpSpPr>
-        <p:cNvPr id="83" name="Shape 83"/>
+        <p:cNvPr id="84" name="Shape 84"/>
         <p:cNvGrpSpPr/>
         <p:nvPr/>
       </p:nvGrpSpPr>
@@ -28542,7 +28582,7 @@
       </p:grpSpPr>
       <p:sp>
         <p:nvSpPr>
-          <p:cNvPr id="84" name="Google Shape;84;p17"/>
+          <p:cNvPr id="85" name="Google Shape;85;p17"/>
           <p:cNvSpPr/>
           <p:nvPr/>
         </p:nvSpPr>
@@ -28593,7 +28633,7 @@
       </p:sp>
       <p:sp>
         <p:nvSpPr>
-          <p:cNvPr id="85" name="Google Shape;85;p17"/>
+          <p:cNvPr id="86" name="Google Shape;86;p17"/>
           <p:cNvSpPr txBox="1"/>
           <p:nvPr/>
         </p:nvSpPr>
@@ -28898,7 +28938,7 @@
       </p:sp>
       <p:grpSp>
         <p:nvGrpSpPr>
-          <p:cNvPr id="86" name="Google Shape;86;p17"/>
+          <p:cNvPr id="87" name="Google Shape;87;p17"/>
           <p:cNvGrpSpPr/>
           <p:nvPr/>
         </p:nvGrpSpPr>
@@ -28912,7 +28952,7 @@
         </p:grpSpPr>
         <p:sp>
           <p:nvSpPr>
-            <p:cNvPr id="87" name="Google Shape;87;p17"/>
+            <p:cNvPr id="88" name="Google Shape;88;p17"/>
             <p:cNvSpPr txBox="1"/>
             <p:nvPr/>
           </p:nvSpPr>
@@ -28972,7 +29012,7 @@
         </p:sp>
         <p:cxnSp>
           <p:nvCxnSpPr>
-            <p:cNvPr id="88" name="Google Shape;88;p17"/>
+            <p:cNvPr id="89" name="Google Shape;89;p17"/>
             <p:cNvCxnSpPr/>
             <p:nvPr/>
           </p:nvCxnSpPr>
@@ -28998,9 +29038,9 @@
         </p:cxnSp>
         <p:cxnSp>
           <p:nvCxnSpPr>
-            <p:cNvPr id="89" name="Google Shape;89;p17"/>
+            <p:cNvPr id="90" name="Google Shape;90;p17"/>
             <p:cNvCxnSpPr>
-              <a:endCxn id="87" idx="0"/>
+              <a:endCxn id="88" idx="0"/>
             </p:cNvCxnSpPr>
             <p:nvPr/>
           </p:nvCxnSpPr>
@@ -29027,7 +29067,7 @@
       </p:grpSp>
       <p:grpSp>
         <p:nvGrpSpPr>
-          <p:cNvPr id="90" name="Google Shape;90;p17"/>
+          <p:cNvPr id="91" name="Google Shape;91;p17"/>
           <p:cNvGrpSpPr/>
           <p:nvPr/>
         </p:nvGrpSpPr>
@@ -29041,7 +29081,7 @@
         </p:grpSpPr>
         <p:sp>
           <p:nvSpPr>
-            <p:cNvPr id="91" name="Google Shape;91;p17"/>
+            <p:cNvPr id="92" name="Google Shape;92;p17"/>
             <p:cNvSpPr txBox="1"/>
             <p:nvPr/>
           </p:nvSpPr>
@@ -29124,9 +29164,9 @@
         </p:sp>
         <p:cxnSp>
           <p:nvCxnSpPr>
-            <p:cNvPr id="92" name="Google Shape;92;p17"/>
+            <p:cNvPr id="93" name="Google Shape;93;p17"/>
             <p:cNvCxnSpPr>
-              <a:endCxn id="91" idx="0"/>
+              <a:endCxn id="92" idx="0"/>
             </p:cNvCxnSpPr>
             <p:nvPr/>
           </p:nvCxnSpPr>
@@ -29153,7 +29193,7 @@
       </p:grpSp>
       <p:grpSp>
         <p:nvGrpSpPr>
-          <p:cNvPr id="93" name="Google Shape;93;p17"/>
+          <p:cNvPr id="94" name="Google Shape;94;p17"/>
           <p:cNvGrpSpPr/>
           <p:nvPr/>
         </p:nvGrpSpPr>
@@ -29167,7 +29207,7 @@
         </p:grpSpPr>
         <p:sp>
           <p:nvSpPr>
-            <p:cNvPr id="94" name="Google Shape;94;p17"/>
+            <p:cNvPr id="95" name="Google Shape;95;p17"/>
             <p:cNvSpPr txBox="1"/>
             <p:nvPr/>
           </p:nvSpPr>
@@ -29239,7 +29279,7 @@
         </p:sp>
         <p:cxnSp>
           <p:nvCxnSpPr>
-            <p:cNvPr id="95" name="Google Shape;95;p17"/>
+            <p:cNvPr id="96" name="Google Shape;96;p17"/>
             <p:cNvCxnSpPr/>
             <p:nvPr/>
           </p:nvCxnSpPr>
@@ -29265,9 +29305,9 @@
         </p:cxnSp>
         <p:cxnSp>
           <p:nvCxnSpPr>
-            <p:cNvPr id="96" name="Google Shape;96;p17"/>
+            <p:cNvPr id="97" name="Google Shape;97;p17"/>
             <p:cNvCxnSpPr>
-              <a:endCxn id="94" idx="0"/>
+              <a:endCxn id="95" idx="0"/>
             </p:cNvCxnSpPr>
             <p:nvPr/>
           </p:nvCxnSpPr>
@@ -29331,7 +29371,7 @@
                                           </p:stCondLst>
                                         </p:cTn>
                                         <p:tgtEl>
-                                          <p:spTgt spid="86"/>
+                                          <p:spTgt spid="87"/>
                                         </p:tgtEl>
                                         <p:attrNameLst>
                                           <p:attrName>style.visibility</p:attrName>
@@ -29345,7 +29385,7 @@
                                       <p:cBhvr>
                                         <p:cTn dur="700"/>
                                         <p:tgtEl>
-                                          <p:spTgt spid="86"/>
+                                          <p:spTgt spid="87"/>
                                         </p:tgtEl>
                                       </p:cBhvr>
                                     </p:animEffect>
@@ -29384,7 +29424,7 @@
                                           </p:stCondLst>
                                         </p:cTn>
                                         <p:tgtEl>
-                                          <p:spTgt spid="90"/>
+                                          <p:spTgt spid="91"/>
                                         </p:tgtEl>
                                         <p:attrNameLst>
                                           <p:attrName>style.visibility</p:attrName>
@@ -29398,7 +29438,7 @@
                                       <p:cBhvr>
                                         <p:cTn dur="700"/>
                                         <p:tgtEl>
-                                          <p:spTgt spid="90"/>
+                                          <p:spTgt spid="91"/>
                                         </p:tgtEl>
                                       </p:cBhvr>
                                     </p:animEffect>
@@ -29437,7 +29477,7 @@
                                           </p:stCondLst>
                                         </p:cTn>
                                         <p:tgtEl>
-                                          <p:spTgt spid="93"/>
+                                          <p:spTgt spid="94"/>
                                         </p:tgtEl>
                                         <p:attrNameLst>
                                           <p:attrName>style.visibility</p:attrName>
@@ -29451,7 +29491,7 @@
                                       <p:cBhvr>
                                         <p:cTn dur="700"/>
                                         <p:tgtEl>
-                                          <p:spTgt spid="93"/>
+                                          <p:spTgt spid="94"/>
                                         </p:tgtEl>
                                       </p:cBhvr>
                                     </p:animEffect>
@@ -29494,7 +29534,7 @@
   <p:cSld>
     <p:spTree>
       <p:nvGrpSpPr>
-        <p:cNvPr id="100" name="Shape 100"/>
+        <p:cNvPr id="101" name="Shape 101"/>
         <p:cNvGrpSpPr/>
         <p:nvPr/>
       </p:nvGrpSpPr>
@@ -29508,7 +29548,7 @@
       </p:grpSpPr>
       <p:sp>
         <p:nvSpPr>
-          <p:cNvPr id="101" name="Google Shape;101;p18"/>
+          <p:cNvPr id="102" name="Google Shape;102;p18"/>
           <p:cNvSpPr/>
           <p:nvPr/>
         </p:nvSpPr>
@@ -29559,7 +29599,7 @@
       </p:sp>
       <p:sp>
         <p:nvSpPr>
-          <p:cNvPr id="102" name="Google Shape;102;p18"/>
+          <p:cNvPr id="103" name="Google Shape;103;p18"/>
           <p:cNvSpPr txBox="1"/>
           <p:nvPr/>
         </p:nvSpPr>
@@ -30179,7 +30219,7 @@
   <p:cSld>
     <p:spTree>
       <p:nvGrpSpPr>
-        <p:cNvPr id="106" name="Shape 106"/>
+        <p:cNvPr id="107" name="Shape 107"/>
         <p:cNvGrpSpPr/>
         <p:nvPr/>
       </p:nvGrpSpPr>
@@ -30193,7 +30233,7 @@
       </p:grpSpPr>
       <p:sp>
         <p:nvSpPr>
-          <p:cNvPr id="107" name="Google Shape;107;p19"/>
+          <p:cNvPr id="108" name="Google Shape;108;p19"/>
           <p:cNvSpPr/>
           <p:nvPr/>
         </p:nvSpPr>
@@ -30244,7 +30284,7 @@
       </p:sp>
       <p:sp>
         <p:nvSpPr>
-          <p:cNvPr id="108" name="Google Shape;108;p19"/>
+          <p:cNvPr id="109" name="Google Shape;109;p19"/>
           <p:cNvSpPr txBox="1"/>
           <p:nvPr/>
         </p:nvSpPr>
@@ -30411,7 +30451,7 @@
   <p:cSld>
     <p:spTree>
       <p:nvGrpSpPr>
-        <p:cNvPr id="112" name="Shape 112"/>
+        <p:cNvPr id="113" name="Shape 113"/>
         <p:cNvGrpSpPr/>
         <p:nvPr/>
       </p:nvGrpSpPr>
@@ -30425,7 +30465,7 @@
       </p:grpSpPr>
       <p:sp>
         <p:nvSpPr>
-          <p:cNvPr id="113" name="Google Shape;113;p20"/>
+          <p:cNvPr id="114" name="Google Shape;114;p20"/>
           <p:cNvSpPr/>
           <p:nvPr/>
         </p:nvSpPr>
@@ -30476,7 +30516,7 @@
       </p:sp>
       <p:sp>
         <p:nvSpPr>
-          <p:cNvPr id="114" name="Google Shape;114;p20"/>
+          <p:cNvPr id="115" name="Google Shape;115;p20"/>
           <p:cNvSpPr txBox="1"/>
           <p:nvPr/>
         </p:nvSpPr>
@@ -30654,7 +30694,7 @@
       </p:sp>
       <p:sp>
         <p:nvSpPr>
-          <p:cNvPr id="115" name="Google Shape;115;p20"/>
+          <p:cNvPr id="116" name="Google Shape;116;p20"/>
           <p:cNvSpPr txBox="1"/>
           <p:nvPr/>
         </p:nvSpPr>
@@ -30863,7 +30903,7 @@
       </p:sp>
       <p:sp>
         <p:nvSpPr>
-          <p:cNvPr id="116" name="Google Shape;116;p20"/>
+          <p:cNvPr id="117" name="Google Shape;117;p20"/>
           <p:cNvSpPr txBox="1"/>
           <p:nvPr/>
         </p:nvSpPr>
@@ -31723,7 +31763,7 @@
                                           </p:stCondLst>
                                         </p:cTn>
                                         <p:tgtEl>
-                                          <p:spTgt spid="115"/>
+                                          <p:spTgt spid="116"/>
                                         </p:tgtEl>
                                         <p:attrNameLst>
                                           <p:attrName>style.visibility</p:attrName>
@@ -31737,7 +31777,7 @@
                                       <p:cBhvr>
                                         <p:cTn dur="500"/>
                                         <p:tgtEl>
-                                          <p:spTgt spid="115"/>
+                                          <p:spTgt spid="116"/>
                                         </p:tgtEl>
                                       </p:cBhvr>
                                     </p:animEffect>
@@ -31776,7 +31816,7 @@
                                           </p:stCondLst>
                                         </p:cTn>
                                         <p:tgtEl>
-                                          <p:spTgt spid="116"/>
+                                          <p:spTgt spid="117"/>
                                         </p:tgtEl>
                                         <p:attrNameLst>
                                           <p:attrName>style.visibility</p:attrName>
@@ -31790,7 +31830,7 @@
                                       <p:cBhvr>
                                         <p:cTn dur="600"/>
                                         <p:tgtEl>
-                                          <p:spTgt spid="116"/>
+                                          <p:spTgt spid="117"/>
                                         </p:tgtEl>
                                       </p:cBhvr>
                                     </p:animEffect>
@@ -31807,7 +31847,7 @@
                                       <p:cBhvr>
                                         <p:cTn dur="1000"/>
                                         <p:tgtEl>
-                                          <p:spTgt spid="115"/>
+                                          <p:spTgt spid="116"/>
                                         </p:tgtEl>
                                       </p:cBhvr>
                                     </p:animEffect>
@@ -31819,7 +31859,7 @@
                                           </p:stCondLst>
                                         </p:cTn>
                                         <p:tgtEl>
-                                          <p:spTgt spid="115"/>
+                                          <p:spTgt spid="116"/>
                                         </p:tgtEl>
                                         <p:attrNameLst>
                                           <p:attrName>style.visibility</p:attrName>
@@ -31868,7 +31908,7 @@
   <p:cSld>
     <p:spTree>
       <p:nvGrpSpPr>
-        <p:cNvPr id="120" name="Shape 120"/>
+        <p:cNvPr id="121" name="Shape 121"/>
         <p:cNvGrpSpPr/>
         <p:nvPr/>
       </p:nvGrpSpPr>
@@ -31882,7 +31922,7 @@
       </p:grpSpPr>
       <p:sp>
         <p:nvSpPr>
-          <p:cNvPr id="121" name="Google Shape;121;p21"/>
+          <p:cNvPr id="122" name="Google Shape;122;p21"/>
           <p:cNvSpPr/>
           <p:nvPr/>
         </p:nvSpPr>
@@ -31933,7 +31973,7 @@
       </p:sp>
       <p:sp>
         <p:nvSpPr>
-          <p:cNvPr id="122" name="Google Shape;122;p21"/>
+          <p:cNvPr id="123" name="Google Shape;123;p21"/>
           <p:cNvSpPr txBox="1"/>
           <p:nvPr/>
         </p:nvSpPr>
@@ -32535,6 +32575,285 @@
 </file>
 
 <file path=ppt/theme/theme1.xml><?xml version="1.0" encoding="utf-8"?>
+<a:theme xmlns:a="http://schemas.openxmlformats.org/drawingml/2006/main" xmlns:r="http://schemas.openxmlformats.org/officeDocument/2006/relationships">
+  <a:themeElements>
+    <a:clrScheme name="Default">
+      <a:dk1>
+        <a:srgbClr val="000000"/>
+      </a:dk1>
+      <a:lt1>
+        <a:srgbClr val="FFFFFF"/>
+      </a:lt1>
+      <a:dk2>
+        <a:srgbClr val="158158"/>
+      </a:dk2>
+      <a:lt2>
+        <a:srgbClr val="F3F3F3"/>
+      </a:lt2>
+      <a:accent1>
+        <a:srgbClr val="058DC7"/>
+      </a:accent1>
+      <a:accent2>
+        <a:srgbClr val="50B432"/>
+      </a:accent2>
+      <a:accent3>
+        <a:srgbClr val="ED561B"/>
+      </a:accent3>
+      <a:accent4>
+        <a:srgbClr val="EDEF00"/>
+      </a:accent4>
+      <a:accent5>
+        <a:srgbClr val="24CBE5"/>
+      </a:accent5>
+      <a:accent6>
+        <a:srgbClr val="64E572"/>
+      </a:accent6>
+      <a:hlink>
+        <a:srgbClr val="2200CC"/>
+      </a:hlink>
+      <a:folHlink>
+        <a:srgbClr val="551A8B"/>
+      </a:folHlink>
+    </a:clrScheme>
+    <a:fontScheme name="Office">
+      <a:majorFont>
+        <a:latin typeface="Arial"/>
+        <a:ea typeface=""/>
+        <a:cs typeface=""/>
+        <a:font script="Jpan" typeface="ＭＳ Ｐゴシック"/>
+        <a:font script="Hang" typeface="맑은 고딕"/>
+        <a:font script="Hans" typeface="宋体"/>
+        <a:font script="Hant" typeface="新細明體"/>
+        <a:font script="Arab" typeface="Times New Roman"/>
+        <a:font script="Hebr" typeface="Times New Roman"/>
+        <a:font script="Thai" typeface="Angsana New"/>
+        <a:font script="Ethi" typeface="Nyala"/>
+        <a:font script="Beng" typeface="Vrinda"/>
+        <a:font script="Gujr" typeface="Shruti"/>
+        <a:font script="Khmr" typeface="MoolBoran"/>
+        <a:font script="Knda" typeface="Tunga"/>
+        <a:font script="Guru" typeface="Raavi"/>
+        <a:font script="Cans" typeface="Euphemia"/>
+        <a:font script="Cher" typeface="Plantagenet Cherokee"/>
+        <a:font script="Yiii" typeface="Microsoft Yi Baiti"/>
+        <a:font script="Tibt" typeface="Microsoft Himalaya"/>
+        <a:font script="Thaa" typeface="MV Boli"/>
+        <a:font script="Deva" typeface="Mangal"/>
+        <a:font script="Telu" typeface="Gautami"/>
+        <a:font script="Taml" typeface="Latha"/>
+        <a:font script="Syrc" typeface="Estrangelo Edessa"/>
+        <a:font script="Orya" typeface="Kalinga"/>
+        <a:font script="Mlym" typeface="Kartika"/>
+        <a:font script="Laoo" typeface="DokChampa"/>
+        <a:font script="Sinh" typeface="Iskoola Pota"/>
+        <a:font script="Mong" typeface="Mongolian Baiti"/>
+        <a:font script="Viet" typeface="Times New Roman"/>
+        <a:font script="Uigh" typeface="Microsoft Uighur"/>
+        <a:font script="Geor" typeface="Sylfaen"/>
+      </a:majorFont>
+      <a:minorFont>
+        <a:latin typeface="Arial"/>
+        <a:ea typeface=""/>
+        <a:cs typeface=""/>
+        <a:font script="Jpan" typeface="ＭＳ Ｐゴシック"/>
+        <a:font script="Hang" typeface="맑은 고딕"/>
+        <a:font script="Hans" typeface="宋体"/>
+        <a:font script="Hant" typeface="新細明體"/>
+        <a:font script="Arab" typeface="Arial"/>
+        <a:font script="Hebr" typeface="Arial"/>
+        <a:font script="Thai" typeface="Cordia New"/>
+        <a:font script="Ethi" typeface="Nyala"/>
+        <a:font script="Beng" typeface="Vrinda"/>
+        <a:font script="Gujr" typeface="Shruti"/>
+        <a:font script="Khmr" typeface="DaunPenh"/>
+        <a:font script="Knda" typeface="Tunga"/>
+        <a:font script="Guru" typeface="Raavi"/>
+        <a:font script="Cans" typeface="Euphemia"/>
+        <a:font script="Cher" typeface="Plantagenet Cherokee"/>
+        <a:font script="Yiii" typeface="Microsoft Yi Baiti"/>
+        <a:font script="Tibt" typeface="Microsoft Himalaya"/>
+        <a:font script="Thaa" typeface="MV Boli"/>
+        <a:font script="Deva" typeface="Mangal"/>
+        <a:font script="Telu" typeface="Gautami"/>
+        <a:font script="Taml" typeface="Latha"/>
+        <a:font script="Syrc" typeface="Estrangelo Edessa"/>
+        <a:font script="Orya" typeface="Kalinga"/>
+        <a:font script="Mlym" typeface="Kartika"/>
+        <a:font script="Laoo" typeface="DokChampa"/>
+        <a:font script="Sinh" typeface="Iskoola Pota"/>
+        <a:font script="Mong" typeface="Mongolian Baiti"/>
+        <a:font script="Viet" typeface="Arial"/>
+        <a:font script="Uigh" typeface="Microsoft Uighur"/>
+        <a:font script="Geor" typeface="Sylfaen"/>
+      </a:minorFont>
+    </a:fontScheme>
+    <a:fmtScheme name="Office">
+      <a:fillStyleLst>
+        <a:solidFill>
+          <a:schemeClr val="phClr"/>
+        </a:solidFill>
+        <a:gradFill rotWithShape="1">
+          <a:gsLst>
+            <a:gs pos="0">
+              <a:schemeClr val="phClr">
+                <a:tint val="50000"/>
+                <a:satMod val="300000"/>
+              </a:schemeClr>
+            </a:gs>
+            <a:gs pos="35000">
+              <a:schemeClr val="phClr">
+                <a:tint val="37000"/>
+                <a:satMod val="300000"/>
+              </a:schemeClr>
+            </a:gs>
+            <a:gs pos="100000">
+              <a:schemeClr val="phClr">
+                <a:tint val="15000"/>
+                <a:satMod val="350000"/>
+              </a:schemeClr>
+            </a:gs>
+          </a:gsLst>
+          <a:lin ang="16200000" scaled="1"/>
+        </a:gradFill>
+        <a:gradFill rotWithShape="1">
+          <a:gsLst>
+            <a:gs pos="0">
+              <a:schemeClr val="phClr">
+                <a:tint val="100000"/>
+                <a:shade val="100000"/>
+                <a:satMod val="130000"/>
+              </a:schemeClr>
+            </a:gs>
+            <a:gs pos="100000">
+              <a:schemeClr val="phClr">
+                <a:tint val="50000"/>
+                <a:shade val="100000"/>
+                <a:satMod val="350000"/>
+              </a:schemeClr>
+            </a:gs>
+          </a:gsLst>
+          <a:lin ang="16200000" scaled="0"/>
+        </a:gradFill>
+      </a:fillStyleLst>
+      <a:lnStyleLst>
+        <a:ln w="9525" cap="flat" cmpd="sng" algn="ctr">
+          <a:solidFill>
+            <a:schemeClr val="phClr">
+              <a:shade val="95000"/>
+              <a:satMod val="105000"/>
+            </a:schemeClr>
+          </a:solidFill>
+          <a:prstDash val="solid"/>
+        </a:ln>
+        <a:ln w="25400" cap="flat" cmpd="sng" algn="ctr">
+          <a:solidFill>
+            <a:schemeClr val="phClr"/>
+          </a:solidFill>
+          <a:prstDash val="solid"/>
+        </a:ln>
+        <a:ln w="38100" cap="flat" cmpd="sng" algn="ctr">
+          <a:solidFill>
+            <a:schemeClr val="phClr"/>
+          </a:solidFill>
+          <a:prstDash val="solid"/>
+        </a:ln>
+      </a:lnStyleLst>
+      <a:effectStyleLst>
+        <a:effectStyle>
+          <a:effectLst>
+            <a:outerShdw blurRad="40000" dist="20000" dir="5400000" rotWithShape="0">
+              <a:srgbClr val="000000">
+                <a:alpha val="38000"/>
+              </a:srgbClr>
+            </a:outerShdw>
+          </a:effectLst>
+        </a:effectStyle>
+        <a:effectStyle>
+          <a:effectLst>
+            <a:outerShdw blurRad="40000" dist="23000" dir="5400000" rotWithShape="0">
+              <a:srgbClr val="000000">
+                <a:alpha val="35000"/>
+              </a:srgbClr>
+            </a:outerShdw>
+          </a:effectLst>
+        </a:effectStyle>
+        <a:effectStyle>
+          <a:effectLst>
+            <a:outerShdw blurRad="40000" dist="23000" dir="5400000" rotWithShape="0">
+              <a:srgbClr val="000000">
+                <a:alpha val="35000"/>
+              </a:srgbClr>
+            </a:outerShdw>
+          </a:effectLst>
+          <a:scene3d>
+            <a:camera prst="orthographicFront">
+              <a:rot lat="0" lon="0" rev="0"/>
+            </a:camera>
+            <a:lightRig rig="threePt" dir="t">
+              <a:rot lat="0" lon="0" rev="1200000"/>
+            </a:lightRig>
+          </a:scene3d>
+          <a:sp3d>
+            <a:bevelT w="63500" h="25400"/>
+          </a:sp3d>
+        </a:effectStyle>
+      </a:effectStyleLst>
+      <a:bgFillStyleLst>
+        <a:solidFill>
+          <a:schemeClr val="phClr"/>
+        </a:solidFill>
+        <a:gradFill rotWithShape="1">
+          <a:gsLst>
+            <a:gs pos="0">
+              <a:schemeClr val="phClr">
+                <a:tint val="40000"/>
+                <a:satMod val="350000"/>
+              </a:schemeClr>
+            </a:gs>
+            <a:gs pos="40000">
+              <a:schemeClr val="phClr">
+                <a:tint val="45000"/>
+                <a:shade val="99000"/>
+                <a:satMod val="350000"/>
+              </a:schemeClr>
+            </a:gs>
+            <a:gs pos="100000">
+              <a:schemeClr val="phClr">
+                <a:shade val="20000"/>
+                <a:satMod val="255000"/>
+              </a:schemeClr>
+            </a:gs>
+          </a:gsLst>
+          <a:path path="circle">
+            <a:fillToRect l="50000" t="-80000" r="50000" b="180000"/>
+          </a:path>
+        </a:gradFill>
+        <a:gradFill rotWithShape="1">
+          <a:gsLst>
+            <a:gs pos="0">
+              <a:schemeClr val="phClr">
+                <a:tint val="80000"/>
+                <a:satMod val="300000"/>
+              </a:schemeClr>
+            </a:gs>
+            <a:gs pos="100000">
+              <a:schemeClr val="phClr">
+                <a:shade val="30000"/>
+                <a:satMod val="200000"/>
+              </a:schemeClr>
+            </a:gs>
+          </a:gsLst>
+          <a:path path="circle">
+            <a:fillToRect l="50000" t="50000" r="50000" b="50000"/>
+          </a:path>
+        </a:gradFill>
+      </a:bgFillStyleLst>
+    </a:fmtScheme>
+  </a:themeElements>
+</a:theme>
+</file>
+
+<file path=ppt/theme/theme2.xml><?xml version="1.0" encoding="utf-8"?>
 <a:theme xmlns:a="http://schemas.openxmlformats.org/drawingml/2006/main" xmlns:r="http://schemas.openxmlformats.org/officeDocument/2006/relationships" name="Slate">
   <a:themeElements>
     <a:clrScheme name="Slate">
@@ -32811,283 +33130,4 @@
     </a:fmtScheme>
   </a:themeElements>
 </a:theme>
-</file>
-
-<file path=ppt/theme/theme2.xml><?xml version="1.0" encoding="utf-8"?>
-<a:theme xmlns:a="http://schemas.openxmlformats.org/drawingml/2006/main" xmlns:r="http://schemas.openxmlformats.org/officeDocument/2006/relationships">
-  <a:themeElements>
-    <a:clrScheme name="Default">
-      <a:dk1>
-        <a:srgbClr val="000000"/>
-      </a:dk1>
-      <a:lt1>
-        <a:srgbClr val="FFFFFF"/>
-      </a:lt1>
-      <a:dk2>
-        <a:srgbClr val="158158"/>
-      </a:dk2>
-      <a:lt2>
-        <a:srgbClr val="F3F3F3"/>
-      </a:lt2>
-      <a:accent1>
-        <a:srgbClr val="058DC7"/>
-      </a:accent1>
-      <a:accent2>
-        <a:srgbClr val="50B432"/>
-      </a:accent2>
-      <a:accent3>
-        <a:srgbClr val="ED561B"/>
-      </a:accent3>
-      <a:accent4>
-        <a:srgbClr val="EDEF00"/>
-      </a:accent4>
-      <a:accent5>
-        <a:srgbClr val="24CBE5"/>
-      </a:accent5>
-      <a:accent6>
-        <a:srgbClr val="64E572"/>
-      </a:accent6>
-      <a:hlink>
-        <a:srgbClr val="2200CC"/>
-      </a:hlink>
-      <a:folHlink>
-        <a:srgbClr val="551A8B"/>
-      </a:folHlink>
-    </a:clrScheme>
-    <a:fontScheme name="Office">
-      <a:majorFont>
-        <a:latin typeface="Arial"/>
-        <a:ea typeface=""/>
-        <a:cs typeface=""/>
-        <a:font script="Jpan" typeface="ＭＳ Ｐゴシック"/>
-        <a:font script="Hang" typeface="맑은 고딕"/>
-        <a:font script="Hans" typeface="宋体"/>
-        <a:font script="Hant" typeface="新細明體"/>
-        <a:font script="Arab" typeface="Times New Roman"/>
-        <a:font script="Hebr" typeface="Times New Roman"/>
-        <a:font script="Thai" typeface="Angsana New"/>
-        <a:font script="Ethi" typeface="Nyala"/>
-        <a:font script="Beng" typeface="Vrinda"/>
-        <a:font script="Gujr" typeface="Shruti"/>
-        <a:font script="Khmr" typeface="MoolBoran"/>
-        <a:font script="Knda" typeface="Tunga"/>
-        <a:font script="Guru" typeface="Raavi"/>
-        <a:font script="Cans" typeface="Euphemia"/>
-        <a:font script="Cher" typeface="Plantagenet Cherokee"/>
-        <a:font script="Yiii" typeface="Microsoft Yi Baiti"/>
-        <a:font script="Tibt" typeface="Microsoft Himalaya"/>
-        <a:font script="Thaa" typeface="MV Boli"/>
-        <a:font script="Deva" typeface="Mangal"/>
-        <a:font script="Telu" typeface="Gautami"/>
-        <a:font script="Taml" typeface="Latha"/>
-        <a:font script="Syrc" typeface="Estrangelo Edessa"/>
-        <a:font script="Orya" typeface="Kalinga"/>
-        <a:font script="Mlym" typeface="Kartika"/>
-        <a:font script="Laoo" typeface="DokChampa"/>
-        <a:font script="Sinh" typeface="Iskoola Pota"/>
-        <a:font script="Mong" typeface="Mongolian Baiti"/>
-        <a:font script="Viet" typeface="Times New Roman"/>
-        <a:font script="Uigh" typeface="Microsoft Uighur"/>
-        <a:font script="Geor" typeface="Sylfaen"/>
-      </a:majorFont>
-      <a:minorFont>
-        <a:latin typeface="Arial"/>
-        <a:ea typeface=""/>
-        <a:cs typeface=""/>
-        <a:font script="Jpan" typeface="ＭＳ Ｐゴシック"/>
-        <a:font script="Hang" typeface="맑은 고딕"/>
-        <a:font script="Hans" typeface="宋体"/>
-        <a:font script="Hant" typeface="新細明體"/>
-        <a:font script="Arab" typeface="Arial"/>
-        <a:font script="Hebr" typeface="Arial"/>
-        <a:font script="Thai" typeface="Cordia New"/>
-        <a:font script="Ethi" typeface="Nyala"/>
-        <a:font script="Beng" typeface="Vrinda"/>
-        <a:font script="Gujr" typeface="Shruti"/>
-        <a:font script="Khmr" typeface="DaunPenh"/>
-        <a:font script="Knda" typeface="Tunga"/>
-        <a:font script="Guru" typeface="Raavi"/>
-        <a:font script="Cans" typeface="Euphemia"/>
-        <a:font script="Cher" typeface="Plantagenet Cherokee"/>
-        <a:font script="Yiii" typeface="Microsoft Yi Baiti"/>
-        <a:font script="Tibt" typeface="Microsoft Himalaya"/>
-        <a:font script="Thaa" typeface="MV Boli"/>
-        <a:font script="Deva" typeface="Mangal"/>
-        <a:font script="Telu" typeface="Gautami"/>
-        <a:font script="Taml" typeface="Latha"/>
-        <a:font script="Syrc" typeface="Estrangelo Edessa"/>
-        <a:font script="Orya" typeface="Kalinga"/>
-        <a:font script="Mlym" typeface="Kartika"/>
-        <a:font script="Laoo" typeface="DokChampa"/>
-        <a:font script="Sinh" typeface="Iskoola Pota"/>
-        <a:font script="Mong" typeface="Mongolian Baiti"/>
-        <a:font script="Viet" typeface="Arial"/>
-        <a:font script="Uigh" typeface="Microsoft Uighur"/>
-        <a:font script="Geor" typeface="Sylfaen"/>
-      </a:minorFont>
-    </a:fontScheme>
-    <a:fmtScheme name="Office">
-      <a:fillStyleLst>
-        <a:solidFill>
-          <a:schemeClr val="phClr"/>
-        </a:solidFill>
-        <a:gradFill rotWithShape="1">
-          <a:gsLst>
-            <a:gs pos="0">
-              <a:schemeClr val="phClr">
-                <a:tint val="50000"/>
-                <a:satMod val="300000"/>
-              </a:schemeClr>
-            </a:gs>
-            <a:gs pos="35000">
-              <a:schemeClr val="phClr">
-                <a:tint val="37000"/>
-                <a:satMod val="300000"/>
-              </a:schemeClr>
-            </a:gs>
-            <a:gs pos="100000">
-              <a:schemeClr val="phClr">
-                <a:tint val="15000"/>
-                <a:satMod val="350000"/>
-              </a:schemeClr>
-            </a:gs>
-          </a:gsLst>
-          <a:lin ang="16200000" scaled="1"/>
-        </a:gradFill>
-        <a:gradFill rotWithShape="1">
-          <a:gsLst>
-            <a:gs pos="0">
-              <a:schemeClr val="phClr">
-                <a:tint val="100000"/>
-                <a:shade val="100000"/>
-                <a:satMod val="130000"/>
-              </a:schemeClr>
-            </a:gs>
-            <a:gs pos="100000">
-              <a:schemeClr val="phClr">
-                <a:tint val="50000"/>
-                <a:shade val="100000"/>
-                <a:satMod val="350000"/>
-              </a:schemeClr>
-            </a:gs>
-          </a:gsLst>
-          <a:lin ang="16200000" scaled="0"/>
-        </a:gradFill>
-      </a:fillStyleLst>
-      <a:lnStyleLst>
-        <a:ln w="9525" cap="flat" cmpd="sng" algn="ctr">
-          <a:solidFill>
-            <a:schemeClr val="phClr">
-              <a:shade val="95000"/>
-              <a:satMod val="105000"/>
-            </a:schemeClr>
-          </a:solidFill>
-          <a:prstDash val="solid"/>
-        </a:ln>
-        <a:ln w="25400" cap="flat" cmpd="sng" algn="ctr">
-          <a:solidFill>
-            <a:schemeClr val="phClr"/>
-          </a:solidFill>
-          <a:prstDash val="solid"/>
-        </a:ln>
-        <a:ln w="38100" cap="flat" cmpd="sng" algn="ctr">
-          <a:solidFill>
-            <a:schemeClr val="phClr"/>
-          </a:solidFill>
-          <a:prstDash val="solid"/>
-        </a:ln>
-      </a:lnStyleLst>
-      <a:effectStyleLst>
-        <a:effectStyle>
-          <a:effectLst>
-            <a:outerShdw blurRad="40000" dist="20000" dir="5400000" rotWithShape="0">
-              <a:srgbClr val="000000">
-                <a:alpha val="38000"/>
-              </a:srgbClr>
-            </a:outerShdw>
-          </a:effectLst>
-        </a:effectStyle>
-        <a:effectStyle>
-          <a:effectLst>
-            <a:outerShdw blurRad="40000" dist="23000" dir="5400000" rotWithShape="0">
-              <a:srgbClr val="000000">
-                <a:alpha val="35000"/>
-              </a:srgbClr>
-            </a:outerShdw>
-          </a:effectLst>
-        </a:effectStyle>
-        <a:effectStyle>
-          <a:effectLst>
-            <a:outerShdw blurRad="40000" dist="23000" dir="5400000" rotWithShape="0">
-              <a:srgbClr val="000000">
-                <a:alpha val="35000"/>
-              </a:srgbClr>
-            </a:outerShdw>
-          </a:effectLst>
-          <a:scene3d>
-            <a:camera prst="orthographicFront">
-              <a:rot lat="0" lon="0" rev="0"/>
-            </a:camera>
-            <a:lightRig rig="threePt" dir="t">
-              <a:rot lat="0" lon="0" rev="1200000"/>
-            </a:lightRig>
-          </a:scene3d>
-          <a:sp3d>
-            <a:bevelT w="63500" h="25400"/>
-          </a:sp3d>
-        </a:effectStyle>
-      </a:effectStyleLst>
-      <a:bgFillStyleLst>
-        <a:solidFill>
-          <a:schemeClr val="phClr"/>
-        </a:solidFill>
-        <a:gradFill rotWithShape="1">
-          <a:gsLst>
-            <a:gs pos="0">
-              <a:schemeClr val="phClr">
-                <a:tint val="40000"/>
-                <a:satMod val="350000"/>
-              </a:schemeClr>
-            </a:gs>
-            <a:gs pos="40000">
-              <a:schemeClr val="phClr">
-                <a:tint val="45000"/>
-                <a:shade val="99000"/>
-                <a:satMod val="350000"/>
-              </a:schemeClr>
-            </a:gs>
-            <a:gs pos="100000">
-              <a:schemeClr val="phClr">
-                <a:shade val="20000"/>
-                <a:satMod val="255000"/>
-              </a:schemeClr>
-            </a:gs>
-          </a:gsLst>
-          <a:path path="circle">
-            <a:fillToRect l="50000" t="-80000" r="50000" b="180000"/>
-          </a:path>
-        </a:gradFill>
-        <a:gradFill rotWithShape="1">
-          <a:gsLst>
-            <a:gs pos="0">
-              <a:schemeClr val="phClr">
-                <a:tint val="80000"/>
-                <a:satMod val="300000"/>
-              </a:schemeClr>
-            </a:gs>
-            <a:gs pos="100000">
-              <a:schemeClr val="phClr">
-                <a:shade val="30000"/>
-                <a:satMod val="200000"/>
-              </a:schemeClr>
-            </a:gs>
-          </a:gsLst>
-          <a:path path="circle">
-            <a:fillToRect l="50000" t="50000" r="50000" b="50000"/>
-          </a:path>
-        </a:gradFill>
-      </a:bgFillStyleLst>
-    </a:fmtScheme>
-  </a:themeElements>
-</a:theme>
 </file>